--- a/Slides/Basketball 6/Basketball_6_Lecture.pptx
+++ b/Slides/Basketball 6/Basketball_6_Lecture.pptx
@@ -217,7 +217,7 @@
           <a:p>
             <a:fld id="{C04E5E84-956F-4423-97B3-5936A6D8EEEE}" type="datetimeFigureOut">
               <a:rPr lang="en-US" smtClean="0"/>
-              <a:t>10/6/2019</a:t>
+              <a:t>10/7/2020</a:t>
             </a:fld>
             <a:endParaRPr lang="en-US"/>
           </a:p>
@@ -678,7 +678,7 @@
           <a:p>
             <a:fld id="{3881C039-66A3-4640-815B-3B5A8B7D868D}" type="datetimeFigureOut">
               <a:rPr lang="en-US" smtClean="0"/>
-              <a:t>10/6/2019</a:t>
+              <a:t>10/7/2020</a:t>
             </a:fld>
             <a:endParaRPr lang="en-US"/>
           </a:p>
@@ -848,7 +848,7 @@
           <a:p>
             <a:fld id="{3881C039-66A3-4640-815B-3B5A8B7D868D}" type="datetimeFigureOut">
               <a:rPr lang="en-US" smtClean="0"/>
-              <a:t>10/6/2019</a:t>
+              <a:t>10/7/2020</a:t>
             </a:fld>
             <a:endParaRPr lang="en-US"/>
           </a:p>
@@ -1069,7 +1069,7 @@
           <a:p>
             <a:fld id="{3881C039-66A3-4640-815B-3B5A8B7D868D}" type="datetimeFigureOut">
               <a:rPr lang="en-US" smtClean="0"/>
-              <a:t>10/6/2019</a:t>
+              <a:t>10/7/2020</a:t>
             </a:fld>
             <a:endParaRPr lang="en-US"/>
           </a:p>
@@ -1280,7 +1280,7 @@
           <a:p>
             <a:fld id="{3881C039-66A3-4640-815B-3B5A8B7D868D}" type="datetimeFigureOut">
               <a:rPr lang="en-US" smtClean="0"/>
-              <a:t>10/6/2019</a:t>
+              <a:t>10/7/2020</a:t>
             </a:fld>
             <a:endParaRPr lang="en-US"/>
           </a:p>
@@ -1575,7 +1575,7 @@
           <a:p>
             <a:fld id="{3881C039-66A3-4640-815B-3B5A8B7D868D}" type="datetimeFigureOut">
               <a:rPr lang="en-US" smtClean="0"/>
-              <a:t>10/6/2019</a:t>
+              <a:t>10/7/2020</a:t>
             </a:fld>
             <a:endParaRPr lang="en-US"/>
           </a:p>
@@ -1904,7 +1904,7 @@
           <a:p>
             <a:fld id="{3881C039-66A3-4640-815B-3B5A8B7D868D}" type="datetimeFigureOut">
               <a:rPr lang="en-US" smtClean="0"/>
-              <a:t>10/6/2019</a:t>
+              <a:t>10/7/2020</a:t>
             </a:fld>
             <a:endParaRPr lang="en-US"/>
           </a:p>
@@ -2396,7 +2396,7 @@
           <a:p>
             <a:fld id="{3881C039-66A3-4640-815B-3B5A8B7D868D}" type="datetimeFigureOut">
               <a:rPr lang="en-US" smtClean="0"/>
-              <a:t>10/6/2019</a:t>
+              <a:t>10/7/2020</a:t>
             </a:fld>
             <a:endParaRPr lang="en-US"/>
           </a:p>
@@ -2555,7 +2555,7 @@
           <a:p>
             <a:fld id="{3881C039-66A3-4640-815B-3B5A8B7D868D}" type="datetimeFigureOut">
               <a:rPr lang="en-US" smtClean="0"/>
-              <a:t>10/6/2019</a:t>
+              <a:t>10/7/2020</a:t>
             </a:fld>
             <a:endParaRPr lang="en-US"/>
           </a:p>
@@ -2691,7 +2691,7 @@
           <a:p>
             <a:fld id="{3881C039-66A3-4640-815B-3B5A8B7D868D}" type="datetimeFigureOut">
               <a:rPr lang="en-US" smtClean="0"/>
-              <a:t>10/6/2019</a:t>
+              <a:t>10/7/2020</a:t>
             </a:fld>
             <a:endParaRPr lang="en-US"/>
           </a:p>
@@ -3019,7 +3019,7 @@
           <a:p>
             <a:fld id="{3881C039-66A3-4640-815B-3B5A8B7D868D}" type="datetimeFigureOut">
               <a:rPr lang="en-US" smtClean="0"/>
-              <a:t>10/6/2019</a:t>
+              <a:t>10/7/2020</a:t>
             </a:fld>
             <a:endParaRPr lang="en-US"/>
           </a:p>
@@ -3334,7 +3334,7 @@
           <a:p>
             <a:fld id="{3881C039-66A3-4640-815B-3B5A8B7D868D}" type="datetimeFigureOut">
               <a:rPr lang="en-US" smtClean="0"/>
-              <a:t>10/6/2019</a:t>
+              <a:t>10/7/2020</a:t>
             </a:fld>
             <a:endParaRPr lang="en-US"/>
           </a:p>
@@ -3586,7 +3586,7 @@
           <a:p>
             <a:fld id="{3881C039-66A3-4640-815B-3B5A8B7D868D}" type="datetimeFigureOut">
               <a:rPr lang="en-US" smtClean="0"/>
-              <a:t>10/6/2019</a:t>
+              <a:t>10/7/2020</a:t>
             </a:fld>
             <a:endParaRPr lang="en-US"/>
           </a:p>
@@ -6230,8 +6230,8 @@
           </a:fontRef>
         </p:style>
       </p:cxnSp>
-      <mc:AlternateContent xmlns:mc="http://schemas.openxmlformats.org/markup-compatibility/2006">
-        <mc:Choice xmlns:a14="http://schemas.microsoft.com/office/drawing/2010/main" Requires="a14">
+      <mc:AlternateContent xmlns:mc="http://schemas.openxmlformats.org/markup-compatibility/2006" xmlns:a14="http://schemas.microsoft.com/office/drawing/2010/main">
+        <mc:Choice Requires="a14">
           <p:sp>
             <p:nvSpPr>
               <p:cNvPr id="3" name="TextBox 2">
@@ -6438,7 +6438,7 @@
             </p:txBody>
           </p:sp>
         </mc:Choice>
-        <mc:Fallback>
+        <mc:Fallback xmlns="">
           <p:sp>
             <p:nvSpPr>
               <p:cNvPr id="3" name="TextBox 2">
@@ -8795,7 +8795,7 @@
                 </a:solidFill>
                 <a:latin typeface="Selawik Semibold" panose="020B0702040204020203" pitchFamily="34" charset="0"/>
               </a:rPr>
-              <a:t>Reality: Most Coaches Will Not Go for 2-Pointer Due to Perceived Risk</a:t>
+              <a:t>Reality: Most Coaches Will Go for 2-Pointer Due to Perceived Risk</a:t>
             </a:r>
           </a:p>
           <a:p>
@@ -9461,8 +9461,8 @@
           </a:fontRef>
         </p:style>
       </p:cxnSp>
-      <mc:AlternateContent xmlns:mc="http://schemas.openxmlformats.org/markup-compatibility/2006">
-        <mc:Choice xmlns:a14="http://schemas.microsoft.com/office/drawing/2010/main" Requires="a14">
+      <mc:AlternateContent xmlns:mc="http://schemas.openxmlformats.org/markup-compatibility/2006" xmlns:a14="http://schemas.microsoft.com/office/drawing/2010/main">
+        <mc:Choice Requires="a14">
           <p:sp>
             <p:nvSpPr>
               <p:cNvPr id="48" name="TextBox 47">
@@ -9491,6 +9491,7 @@
               </a:bodyPr>
               <a:lstStyle/>
               <a:p>
+                <a:pPr/>
                 <a14:m>
                   <m:oMathPara xmlns:m="http://schemas.openxmlformats.org/officeDocument/2006/math">
                     <m:oMathParaPr>
@@ -9668,7 +9669,7 @@
             </p:txBody>
           </p:sp>
         </mc:Choice>
-        <mc:Fallback>
+        <mc:Fallback xmlns="">
           <p:sp>
             <p:nvSpPr>
               <p:cNvPr id="48" name="TextBox 47">
@@ -9713,8 +9714,8 @@
           </p:sp>
         </mc:Fallback>
       </mc:AlternateContent>
-      <mc:AlternateContent xmlns:mc="http://schemas.openxmlformats.org/markup-compatibility/2006">
-        <mc:Choice xmlns:a14="http://schemas.microsoft.com/office/drawing/2010/main" Requires="a14">
+      <mc:AlternateContent xmlns:mc="http://schemas.openxmlformats.org/markup-compatibility/2006" xmlns:a14="http://schemas.microsoft.com/office/drawing/2010/main">
+        <mc:Choice Requires="a14">
           <p:sp>
             <p:nvSpPr>
               <p:cNvPr id="49" name="TextBox 48">
@@ -9743,6 +9744,7 @@
               </a:bodyPr>
               <a:lstStyle/>
               <a:p>
+                <a:pPr/>
                 <a14:m>
                   <m:oMathPara xmlns:m="http://schemas.openxmlformats.org/officeDocument/2006/math">
                     <m:oMathParaPr>
@@ -9879,7 +9881,7 @@
             </p:txBody>
           </p:sp>
         </mc:Choice>
-        <mc:Fallback>
+        <mc:Fallback xmlns="">
           <p:sp>
             <p:nvSpPr>
               <p:cNvPr id="49" name="TextBox 48">
@@ -9924,8 +9926,8 @@
           </p:sp>
         </mc:Fallback>
       </mc:AlternateContent>
-      <mc:AlternateContent xmlns:mc="http://schemas.openxmlformats.org/markup-compatibility/2006">
-        <mc:Choice xmlns:a14="http://schemas.microsoft.com/office/drawing/2010/main" Requires="a14">
+      <mc:AlternateContent xmlns:mc="http://schemas.openxmlformats.org/markup-compatibility/2006" xmlns:a14="http://schemas.microsoft.com/office/drawing/2010/main">
+        <mc:Choice Requires="a14">
           <p:sp>
             <p:nvSpPr>
               <p:cNvPr id="56" name="TextBox 55">
@@ -9954,6 +9956,7 @@
               </a:bodyPr>
               <a:lstStyle/>
               <a:p>
+                <a:pPr/>
                 <a14:m>
                   <m:oMathPara xmlns:m="http://schemas.openxmlformats.org/officeDocument/2006/math">
                     <m:oMathParaPr>
@@ -10131,7 +10134,7 @@
             </p:txBody>
           </p:sp>
         </mc:Choice>
-        <mc:Fallback>
+        <mc:Fallback xmlns="">
           <p:sp>
             <p:nvSpPr>
               <p:cNvPr id="56" name="TextBox 55">
@@ -10176,8 +10179,8 @@
           </p:sp>
         </mc:Fallback>
       </mc:AlternateContent>
-      <mc:AlternateContent xmlns:mc="http://schemas.openxmlformats.org/markup-compatibility/2006">
-        <mc:Choice xmlns:a14="http://schemas.microsoft.com/office/drawing/2010/main" Requires="a14">
+      <mc:AlternateContent xmlns:mc="http://schemas.openxmlformats.org/markup-compatibility/2006" xmlns:a14="http://schemas.microsoft.com/office/drawing/2010/main">
+        <mc:Choice Requires="a14">
           <p:sp>
             <p:nvSpPr>
               <p:cNvPr id="59" name="TextBox 58">
@@ -10206,6 +10209,7 @@
               </a:bodyPr>
               <a:lstStyle/>
               <a:p>
+                <a:pPr/>
                 <a14:m>
                   <m:oMathPara xmlns:m="http://schemas.openxmlformats.org/officeDocument/2006/math">
                     <m:oMathParaPr>
@@ -10342,7 +10346,7 @@
             </p:txBody>
           </p:sp>
         </mc:Choice>
-        <mc:Fallback>
+        <mc:Fallback xmlns="">
           <p:sp>
             <p:nvSpPr>
               <p:cNvPr id="59" name="TextBox 58">
@@ -13570,55 +13574,9 @@
             </a:endParaRPr>
           </a:p>
           <a:p>
-            <a:pPr lvl="1">
+            <a:pPr marL="548640" lvl="2" indent="0">
               <a:buSzPct val="100000"/>
-            </a:pPr>
-            <a:r>
-              <a:rPr lang="en-US" sz="2000" dirty="0">
-                <a:solidFill>
-                  <a:schemeClr val="bg1"/>
-                </a:solidFill>
-                <a:latin typeface="Selawik Semibold" panose="020B0702040204020203" pitchFamily="34" charset="0"/>
-              </a:rPr>
-              <a:t>32 Games where Team Trailed by 3 Points and Leading Team Fouled</a:t>
-            </a:r>
-          </a:p>
-          <a:p>
-            <a:pPr lvl="3">
-              <a:buSzPct val="100000"/>
-            </a:pPr>
-            <a:endParaRPr lang="en-US" sz="1600" dirty="0">
-              <a:solidFill>
-                <a:schemeClr val="bg1"/>
-              </a:solidFill>
-              <a:latin typeface="Selawik Semibold" panose="020B0702040204020203" pitchFamily="34" charset="0"/>
-            </a:endParaRPr>
-          </a:p>
-          <a:p>
-            <a:pPr lvl="3">
-              <a:buSzPct val="100000"/>
-            </a:pPr>
-            <a:endParaRPr lang="en-US" sz="1600" dirty="0">
-              <a:solidFill>
-                <a:schemeClr val="bg1"/>
-              </a:solidFill>
-              <a:latin typeface="Selawik Semibold" panose="020B0702040204020203" pitchFamily="34" charset="0"/>
-            </a:endParaRPr>
-          </a:p>
-          <a:p>
-            <a:pPr lvl="3">
-              <a:buSzPct val="100000"/>
-            </a:pPr>
-            <a:endParaRPr lang="en-US" sz="1600" dirty="0">
-              <a:solidFill>
-                <a:schemeClr val="bg1"/>
-              </a:solidFill>
-              <a:latin typeface="Selawik Semibold" panose="020B0702040204020203" pitchFamily="34" charset="0"/>
-            </a:endParaRPr>
-          </a:p>
-          <a:p>
-            <a:pPr lvl="2">
-              <a:buSzPct val="100000"/>
+              <a:buNone/>
             </a:pPr>
             <a:endParaRPr lang="en-US" sz="1800" dirty="0">
               <a:solidFill>
@@ -14179,8 +14137,8 @@
           </a:fontRef>
         </p:style>
       </p:cxnSp>
-      <mc:AlternateContent xmlns:mc="http://schemas.openxmlformats.org/markup-compatibility/2006">
-        <mc:Choice xmlns:a14="http://schemas.microsoft.com/office/drawing/2010/main" Requires="a14">
+      <mc:AlternateContent xmlns:mc="http://schemas.openxmlformats.org/markup-compatibility/2006" xmlns:a14="http://schemas.microsoft.com/office/drawing/2010/main">
+        <mc:Choice Requires="a14">
           <p:sp>
             <p:nvSpPr>
               <p:cNvPr id="25" name="TextBox 24">
@@ -14209,6 +14167,7 @@
               </a:bodyPr>
               <a:lstStyle/>
               <a:p>
+                <a:pPr/>
                 <a14:m>
                   <m:oMathPara xmlns:m="http://schemas.openxmlformats.org/officeDocument/2006/math">
                     <m:oMathParaPr>
@@ -14401,7 +14360,7 @@
             </p:txBody>
           </p:sp>
         </mc:Choice>
-        <mc:Fallback>
+        <mc:Fallback xmlns="">
           <p:sp>
             <p:nvSpPr>
               <p:cNvPr id="25" name="TextBox 24">
@@ -14462,8 +14421,8 @@
             </p:nvSpPr>
             <p:spPr>
               <a:xfrm>
-                <a:off x="1953663" y="5075173"/>
-                <a:ext cx="8843458" cy="461665"/>
+                <a:off x="2251616" y="5053354"/>
+                <a:ext cx="9084921" cy="461665"/>
               </a:xfrm>
               <a:prstGeom prst="rect">
                 <a:avLst/>
@@ -14476,6 +14435,7 @@
               </a:bodyPr>
               <a:lstStyle/>
               <a:p>
+                <a:pPr/>
                 <a14:m>
                   <m:oMathPara xmlns:m="http://schemas.openxmlformats.org/officeDocument/2006/math">
                     <m:oMathParaPr>
@@ -14593,7 +14553,61 @@
                           </a:solidFill>
                           <a:latin typeface="Cambria Math" panose="02040503050406030204" pitchFamily="18" charset="0"/>
                         </a:rPr>
-                        <m:t>=0.05×0.5=0.025</m:t>
+                        <m:t>=0.</m:t>
+                      </m:r>
+                      <m:r>
+                        <a:rPr lang="en-US" sz="2400" b="0" i="1" smtClean="0">
+                          <a:solidFill>
+                            <a:schemeClr val="bg1"/>
+                          </a:solidFill>
+                          <a:latin typeface="Cambria Math" panose="02040503050406030204" pitchFamily="18" charset="0"/>
+                        </a:rPr>
+                        <m:t>75</m:t>
+                      </m:r>
+                      <m:r>
+                        <a:rPr lang="en-US" sz="2400" i="1">
+                          <a:solidFill>
+                            <a:schemeClr val="bg1"/>
+                          </a:solidFill>
+                          <a:latin typeface="Cambria Math" panose="02040503050406030204" pitchFamily="18" charset="0"/>
+                        </a:rPr>
+                        <m:t>×</m:t>
+                      </m:r>
+                      <m:r>
+                        <a:rPr lang="en-US" sz="2400" b="0" i="1" smtClean="0">
+                          <a:solidFill>
+                            <a:schemeClr val="bg1"/>
+                          </a:solidFill>
+                          <a:latin typeface="Cambria Math" panose="02040503050406030204" pitchFamily="18" charset="0"/>
+                        </a:rPr>
+                        <m:t>0.14</m:t>
+                      </m:r>
+                      <m:r>
+                        <a:rPr lang="en-US" sz="2400" i="1">
+                          <a:solidFill>
+                            <a:schemeClr val="bg1"/>
+                          </a:solidFill>
+                          <a:latin typeface="Cambria Math" panose="02040503050406030204" pitchFamily="18" charset="0"/>
+                        </a:rPr>
+                        <m:t>×</m:t>
+                      </m:r>
+                      <m:r>
+                        <a:rPr lang="en-US" sz="2400" b="0" i="1" smtClean="0">
+                          <a:solidFill>
+                            <a:schemeClr val="bg1"/>
+                          </a:solidFill>
+                          <a:latin typeface="Cambria Math" panose="02040503050406030204" pitchFamily="18" charset="0"/>
+                        </a:rPr>
+                        <m:t>0.47</m:t>
+                      </m:r>
+                      <m:r>
+                        <a:rPr lang="en-US" sz="2400" b="0" i="1" smtClean="0">
+                          <a:solidFill>
+                            <a:schemeClr val="bg1"/>
+                          </a:solidFill>
+                          <a:latin typeface="Cambria Math" panose="02040503050406030204" pitchFamily="18" charset="0"/>
+                        </a:rPr>
+                        <m:t>×0.5</m:t>
                       </m:r>
                     </m:oMath>
                   </m:oMathPara>
@@ -14624,8 +14638,8 @@
             </p:nvSpPr>
             <p:spPr>
               <a:xfrm>
-                <a:off x="1953663" y="5075173"/>
-                <a:ext cx="8843458" cy="461665"/>
+                <a:off x="2251616" y="5053354"/>
+                <a:ext cx="9084921" cy="461665"/>
               </a:xfrm>
               <a:prstGeom prst="rect">
                 <a:avLst/>
@@ -14633,7 +14647,7 @@
               <a:blipFill>
                 <a:blip r:embed="rId7"/>
                 <a:stretch>
-                  <a:fillRect b="-21333"/>
+                  <a:fillRect b="-19737"/>
                 </a:stretch>
               </a:blipFill>
             </p:spPr>
@@ -14656,10 +14670,10 @@
         <mc:Choice xmlns:a14="http://schemas.microsoft.com/office/drawing/2010/main" Requires="a14">
           <p:sp>
             <p:nvSpPr>
-              <p:cNvPr id="28" name="TextBox 27">
+              <p:cNvPr id="3" name="TextBox 2">
                 <a:extLst>
                   <a:ext uri="{FF2B5EF4-FFF2-40B4-BE49-F238E27FC236}">
-                    <a16:creationId xmlns:a16="http://schemas.microsoft.com/office/drawing/2014/main" id="{E6999A98-31E3-4A50-933B-AC2E57F3F350}"/>
+                    <a16:creationId xmlns:a16="http://schemas.microsoft.com/office/drawing/2014/main" id="{73FBEC8C-1C6C-46AB-9E75-9A68FE60F618}"/>
                   </a:ext>
                 </a:extLst>
               </p:cNvPr>
@@ -14668,8 +14682,8 @@
             </p:nvSpPr>
             <p:spPr>
               <a:xfrm>
-                <a:off x="223398" y="6008843"/>
-                <a:ext cx="8843458" cy="794448"/>
+                <a:off x="3461000" y="5438542"/>
+                <a:ext cx="9084921" cy="461665"/>
               </a:xfrm>
               <a:prstGeom prst="rect">
                 <a:avLst/>
@@ -14682,64 +14696,13 @@
               </a:bodyPr>
               <a:lstStyle/>
               <a:p>
+                <a:pPr/>
                 <a14:m>
                   <m:oMathPara xmlns:m="http://schemas.openxmlformats.org/officeDocument/2006/math">
                     <m:oMathParaPr>
                       <m:jc m:val="centerGroup"/>
                     </m:oMathParaPr>
                     <m:oMath xmlns:m="http://schemas.openxmlformats.org/officeDocument/2006/math">
-                      <m:f>
-                        <m:fPr>
-                          <m:ctrlPr>
-                            <a:rPr lang="en-US" sz="2400" b="0" i="1" smtClean="0">
-                              <a:solidFill>
-                                <a:schemeClr val="bg1"/>
-                              </a:solidFill>
-                              <a:latin typeface="Cambria Math" panose="02040503050406030204" pitchFamily="18" charset="0"/>
-                            </a:rPr>
-                          </m:ctrlPr>
-                        </m:fPr>
-                        <m:num>
-                          <m:r>
-                            <a:rPr lang="en-US" sz="2400" b="0" i="1" smtClean="0">
-                              <a:solidFill>
-                                <a:schemeClr val="bg1"/>
-                              </a:solidFill>
-                              <a:latin typeface="Cambria Math" panose="02040503050406030204" pitchFamily="18" charset="0"/>
-                            </a:rPr>
-                            <m:t>7 </m:t>
-                          </m:r>
-                          <m:r>
-                            <a:rPr lang="en-US" sz="2400" b="0" i="1" smtClean="0">
-                              <a:solidFill>
-                                <a:schemeClr val="bg1"/>
-                              </a:solidFill>
-                              <a:latin typeface="Cambria Math" panose="02040503050406030204" pitchFamily="18" charset="0"/>
-                            </a:rPr>
-                            <m:t>𝑇𝑖𝑒𝑠</m:t>
-                          </m:r>
-                        </m:num>
-                        <m:den>
-                          <m:r>
-                            <a:rPr lang="en-US" sz="2400" b="0" i="1" smtClean="0">
-                              <a:solidFill>
-                                <a:schemeClr val="bg1"/>
-                              </a:solidFill>
-                              <a:latin typeface="Cambria Math" panose="02040503050406030204" pitchFamily="18" charset="0"/>
-                            </a:rPr>
-                            <m:t>32 </m:t>
-                          </m:r>
-                          <m:r>
-                            <a:rPr lang="en-US" sz="2400" b="0" i="1" smtClean="0">
-                              <a:solidFill>
-                                <a:schemeClr val="bg1"/>
-                              </a:solidFill>
-                              <a:latin typeface="Cambria Math" panose="02040503050406030204" pitchFamily="18" charset="0"/>
-                            </a:rPr>
-                            <m:t>𝐺𝑎𝑚𝑒𝑠</m:t>
-                          </m:r>
-                        </m:den>
-                      </m:f>
                       <m:r>
                         <a:rPr lang="en-US" sz="2400" b="0" i="1" smtClean="0">
                           <a:solidFill>
@@ -14747,7 +14710,25 @@
                           </a:solidFill>
                           <a:latin typeface="Cambria Math" panose="02040503050406030204" pitchFamily="18" charset="0"/>
                         </a:rPr>
-                        <m:t>=21.9% (±14.6%)</m:t>
+                        <m:t>=0.05</m:t>
+                      </m:r>
+                      <m:r>
+                        <a:rPr lang="en-US" sz="2400" b="0" i="1" smtClean="0">
+                          <a:solidFill>
+                            <a:schemeClr val="bg1"/>
+                          </a:solidFill>
+                          <a:latin typeface="Cambria Math" panose="02040503050406030204" pitchFamily="18" charset="0"/>
+                        </a:rPr>
+                        <m:t>×0.</m:t>
+                      </m:r>
+                      <m:r>
+                        <a:rPr lang="en-US" sz="2400" b="0" i="1" smtClean="0">
+                          <a:solidFill>
+                            <a:schemeClr val="bg1"/>
+                          </a:solidFill>
+                          <a:latin typeface="Cambria Math" panose="02040503050406030204" pitchFamily="18" charset="0"/>
+                        </a:rPr>
+                        <m:t>5</m:t>
                       </m:r>
                     </m:oMath>
                   </m:oMathPara>
@@ -14764,10 +14745,10 @@
         <mc:Fallback>
           <p:sp>
             <p:nvSpPr>
-              <p:cNvPr id="28" name="TextBox 27">
+              <p:cNvPr id="3" name="TextBox 2">
                 <a:extLst>
                   <a:ext uri="{FF2B5EF4-FFF2-40B4-BE49-F238E27FC236}">
-                    <a16:creationId xmlns:a16="http://schemas.microsoft.com/office/drawing/2014/main" id="{E6999A98-31E3-4A50-933B-AC2E57F3F350}"/>
+                    <a16:creationId xmlns:a16="http://schemas.microsoft.com/office/drawing/2014/main" id="{73FBEC8C-1C6C-46AB-9E75-9A68FE60F618}"/>
                   </a:ext>
                 </a:extLst>
               </p:cNvPr>
@@ -14778,14 +14759,113 @@
             </p:nvSpPr>
             <p:spPr>
               <a:xfrm>
-                <a:off x="223398" y="6008843"/>
-                <a:ext cx="8843458" cy="794448"/>
+                <a:off x="3461000" y="5438542"/>
+                <a:ext cx="9084921" cy="461665"/>
               </a:xfrm>
               <a:prstGeom prst="rect">
                 <a:avLst/>
               </a:prstGeom>
               <a:blipFill>
                 <a:blip r:embed="rId8"/>
+                <a:stretch>
+                  <a:fillRect/>
+                </a:stretch>
+              </a:blipFill>
+            </p:spPr>
+            <p:txBody>
+              <a:bodyPr/>
+              <a:lstStyle/>
+              <a:p>
+                <a:r>
+                  <a:rPr lang="en-US">
+                    <a:noFill/>
+                  </a:rPr>
+                  <a:t> </a:t>
+                </a:r>
+              </a:p>
+            </p:txBody>
+          </p:sp>
+        </mc:Fallback>
+      </mc:AlternateContent>
+      <mc:AlternateContent xmlns:mc="http://schemas.openxmlformats.org/markup-compatibility/2006">
+        <mc:Choice xmlns:a14="http://schemas.microsoft.com/office/drawing/2010/main" Requires="a14">
+          <p:sp>
+            <p:nvSpPr>
+              <p:cNvPr id="29" name="TextBox 28">
+                <a:extLst>
+                  <a:ext uri="{FF2B5EF4-FFF2-40B4-BE49-F238E27FC236}">
+                    <a16:creationId xmlns:a16="http://schemas.microsoft.com/office/drawing/2014/main" id="{90EF4E92-F41F-41D7-9297-EBA2ABB51507}"/>
+                  </a:ext>
+                </a:extLst>
+              </p:cNvPr>
+              <p:cNvSpPr txBox="1"/>
+              <p:nvPr/>
+            </p:nvSpPr>
+            <p:spPr>
+              <a:xfrm>
+                <a:off x="4587683" y="5823730"/>
+                <a:ext cx="6265942" cy="461665"/>
+              </a:xfrm>
+              <a:prstGeom prst="rect">
+                <a:avLst/>
+              </a:prstGeom>
+              <a:noFill/>
+            </p:spPr>
+            <p:txBody>
+              <a:bodyPr wrap="square">
+                <a:spAutoFit/>
+              </a:bodyPr>
+              <a:lstStyle/>
+              <a:p>
+                <a:pPr/>
+                <a14:m>
+                  <m:oMathPara xmlns:m="http://schemas.openxmlformats.org/officeDocument/2006/math">
+                    <m:oMathParaPr>
+                      <m:jc m:val="centerGroup"/>
+                    </m:oMathParaPr>
+                    <m:oMath xmlns:m="http://schemas.openxmlformats.org/officeDocument/2006/math">
+                      <m:r>
+                        <a:rPr lang="en-US" sz="2400" b="0" i="1" smtClean="0">
+                          <a:solidFill>
+                            <a:schemeClr val="bg1"/>
+                          </a:solidFill>
+                          <a:latin typeface="Cambria Math" panose="02040503050406030204" pitchFamily="18" charset="0"/>
+                        </a:rPr>
+                        <m:t>=0.025</m:t>
+                      </m:r>
+                    </m:oMath>
+                  </m:oMathPara>
+                </a14:m>
+                <a:endParaRPr lang="en-US" sz="2400" dirty="0"/>
+              </a:p>
+            </p:txBody>
+          </p:sp>
+        </mc:Choice>
+        <mc:Fallback>
+          <p:sp>
+            <p:nvSpPr>
+              <p:cNvPr id="29" name="TextBox 28">
+                <a:extLst>
+                  <a:ext uri="{FF2B5EF4-FFF2-40B4-BE49-F238E27FC236}">
+                    <a16:creationId xmlns:a16="http://schemas.microsoft.com/office/drawing/2014/main" id="{90EF4E92-F41F-41D7-9297-EBA2ABB51507}"/>
+                  </a:ext>
+                </a:extLst>
+              </p:cNvPr>
+              <p:cNvSpPr txBox="1">
+                <a:spLocks noRot="1" noChangeAspect="1" noMove="1" noResize="1" noEditPoints="1" noAdjustHandles="1" noChangeArrowheads="1" noChangeShapeType="1" noTextEdit="1"/>
+              </p:cNvSpPr>
+              <p:nvPr/>
+            </p:nvSpPr>
+            <p:spPr>
+              <a:xfrm>
+                <a:off x="4587683" y="5823730"/>
+                <a:ext cx="6265942" cy="461665"/>
+              </a:xfrm>
+              <a:prstGeom prst="rect">
+                <a:avLst/>
+              </a:prstGeom>
+              <a:blipFill>
+                <a:blip r:embed="rId9"/>
                 <a:stretch>
                   <a:fillRect/>
                 </a:stretch>
@@ -15010,6 +15090,53 @@
                 </a:solidFill>
                 <a:latin typeface="Selawik Semibold" panose="020B0702040204020203" pitchFamily="34" charset="0"/>
               </a:rPr>
+              <a:t>32 Games where Team Trailed by 3 Points and Leading Team Fouled</a:t>
+            </a:r>
+          </a:p>
+          <a:p>
+            <a:pPr lvl="1">
+              <a:buSzPct val="100000"/>
+            </a:pPr>
+            <a:endParaRPr lang="en-US" sz="2000" dirty="0">
+              <a:solidFill>
+                <a:schemeClr val="bg1"/>
+              </a:solidFill>
+              <a:latin typeface="Selawik Semibold" panose="020B0702040204020203" pitchFamily="34" charset="0"/>
+            </a:endParaRPr>
+          </a:p>
+          <a:p>
+            <a:pPr lvl="1">
+              <a:buSzPct val="100000"/>
+            </a:pPr>
+            <a:endParaRPr lang="en-US" sz="800" dirty="0">
+              <a:solidFill>
+                <a:schemeClr val="bg1"/>
+              </a:solidFill>
+              <a:latin typeface="Selawik Semibold" panose="020B0702040204020203" pitchFamily="34" charset="0"/>
+            </a:endParaRPr>
+          </a:p>
+          <a:p>
+            <a:pPr lvl="1">
+              <a:buSzPct val="100000"/>
+            </a:pPr>
+            <a:endParaRPr lang="en-US" sz="2000" dirty="0">
+              <a:solidFill>
+                <a:schemeClr val="bg1"/>
+              </a:solidFill>
+              <a:latin typeface="Selawik Semibold" panose="020B0702040204020203" pitchFamily="34" charset="0"/>
+            </a:endParaRPr>
+          </a:p>
+          <a:p>
+            <a:pPr lvl="1">
+              <a:buSzPct val="100000"/>
+            </a:pPr>
+            <a:r>
+              <a:rPr lang="en-US" sz="2000" dirty="0">
+                <a:solidFill>
+                  <a:schemeClr val="bg1"/>
+                </a:solidFill>
+                <a:latin typeface="Selawik Semibold" panose="020B0702040204020203" pitchFamily="34" charset="0"/>
+              </a:rPr>
               <a:t>Bad Assumption Because Multiple Possessions Possible</a:t>
             </a:r>
           </a:p>
@@ -15645,7 +15772,7 @@
             </p:nvSpPr>
             <p:spPr>
               <a:xfrm>
-                <a:off x="4484864" y="5888039"/>
+                <a:off x="4057267" y="6004473"/>
                 <a:ext cx="8843458" cy="843885"/>
               </a:xfrm>
               <a:prstGeom prst="rect">
@@ -15839,7 +15966,7 @@
             </p:nvSpPr>
             <p:spPr>
               <a:xfrm>
-                <a:off x="4484864" y="5888039"/>
+                <a:off x="4057267" y="6004473"/>
                 <a:ext cx="8843458" cy="843885"/>
               </a:xfrm>
               <a:prstGeom prst="rect">
@@ -15882,13 +16009,13 @@
           <p:nvPr>
             <p:extLst>
               <p:ext uri="{D42A27DB-BD31-4B8C-83A1-F6EECF244321}">
-                <p14:modId xmlns:p14="http://schemas.microsoft.com/office/powerpoint/2010/main" val="3444092315"/>
+                <p14:modId xmlns:p14="http://schemas.microsoft.com/office/powerpoint/2010/main" val="1041416226"/>
               </p:ext>
             </p:extLst>
           </p:nvPr>
         </p:nvGraphicFramePr>
         <p:xfrm>
-          <a:off x="2629915" y="2838054"/>
+          <a:off x="2616556" y="3932600"/>
           <a:ext cx="7870893" cy="2103120"/>
         </p:xfrm>
         <a:graphic>
@@ -16225,6 +16352,161 @@
           </a:graphicData>
         </a:graphic>
       </p:graphicFrame>
+      <mc:AlternateContent xmlns:mc="http://schemas.openxmlformats.org/markup-compatibility/2006">
+        <mc:Choice xmlns:a14="http://schemas.microsoft.com/office/drawing/2010/main" Requires="a14">
+          <p:sp>
+            <p:nvSpPr>
+              <p:cNvPr id="4" name="TextBox 3">
+                <a:extLst>
+                  <a:ext uri="{FF2B5EF4-FFF2-40B4-BE49-F238E27FC236}">
+                    <a16:creationId xmlns:a16="http://schemas.microsoft.com/office/drawing/2014/main" id="{CECA69D5-B8EF-480D-A7DD-1130509CEAF8}"/>
+                  </a:ext>
+                </a:extLst>
+              </p:cNvPr>
+              <p:cNvSpPr txBox="1"/>
+              <p:nvPr/>
+            </p:nvSpPr>
+            <p:spPr>
+              <a:xfrm>
+                <a:off x="170771" y="2002536"/>
+                <a:ext cx="8843458" cy="794448"/>
+              </a:xfrm>
+              <a:prstGeom prst="rect">
+                <a:avLst/>
+              </a:prstGeom>
+              <a:noFill/>
+            </p:spPr>
+            <p:txBody>
+              <a:bodyPr wrap="square" rtlCol="0">
+                <a:spAutoFit/>
+              </a:bodyPr>
+              <a:lstStyle/>
+              <a:p>
+                <a:pPr/>
+                <a14:m>
+                  <m:oMathPara xmlns:m="http://schemas.openxmlformats.org/officeDocument/2006/math">
+                    <m:oMathParaPr>
+                      <m:jc m:val="centerGroup"/>
+                    </m:oMathParaPr>
+                    <m:oMath xmlns:m="http://schemas.openxmlformats.org/officeDocument/2006/math">
+                      <m:f>
+                        <m:fPr>
+                          <m:ctrlPr>
+                            <a:rPr lang="en-US" sz="2400" b="0" i="1" smtClean="0">
+                              <a:solidFill>
+                                <a:schemeClr val="bg1"/>
+                              </a:solidFill>
+                              <a:latin typeface="Cambria Math" panose="02040503050406030204" pitchFamily="18" charset="0"/>
+                            </a:rPr>
+                          </m:ctrlPr>
+                        </m:fPr>
+                        <m:num>
+                          <m:r>
+                            <a:rPr lang="en-US" sz="2400" b="0" i="1" smtClean="0">
+                              <a:solidFill>
+                                <a:schemeClr val="bg1"/>
+                              </a:solidFill>
+                              <a:latin typeface="Cambria Math" panose="02040503050406030204" pitchFamily="18" charset="0"/>
+                            </a:rPr>
+                            <m:t>7 </m:t>
+                          </m:r>
+                          <m:r>
+                            <a:rPr lang="en-US" sz="2400" b="0" i="1" smtClean="0">
+                              <a:solidFill>
+                                <a:schemeClr val="bg1"/>
+                              </a:solidFill>
+                              <a:latin typeface="Cambria Math" panose="02040503050406030204" pitchFamily="18" charset="0"/>
+                            </a:rPr>
+                            <m:t>𝑇𝑖𝑒𝑠</m:t>
+                          </m:r>
+                        </m:num>
+                        <m:den>
+                          <m:r>
+                            <a:rPr lang="en-US" sz="2400" b="0" i="1" smtClean="0">
+                              <a:solidFill>
+                                <a:schemeClr val="bg1"/>
+                              </a:solidFill>
+                              <a:latin typeface="Cambria Math" panose="02040503050406030204" pitchFamily="18" charset="0"/>
+                            </a:rPr>
+                            <m:t>32 </m:t>
+                          </m:r>
+                          <m:r>
+                            <a:rPr lang="en-US" sz="2400" b="0" i="1" smtClean="0">
+                              <a:solidFill>
+                                <a:schemeClr val="bg1"/>
+                              </a:solidFill>
+                              <a:latin typeface="Cambria Math" panose="02040503050406030204" pitchFamily="18" charset="0"/>
+                            </a:rPr>
+                            <m:t>𝐺𝑎𝑚𝑒𝑠</m:t>
+                          </m:r>
+                        </m:den>
+                      </m:f>
+                      <m:r>
+                        <a:rPr lang="en-US" sz="2400" b="0" i="1" smtClean="0">
+                          <a:solidFill>
+                            <a:schemeClr val="bg1"/>
+                          </a:solidFill>
+                          <a:latin typeface="Cambria Math" panose="02040503050406030204" pitchFamily="18" charset="0"/>
+                        </a:rPr>
+                        <m:t>=21.9% (±14.6%)</m:t>
+                      </m:r>
+                    </m:oMath>
+                  </m:oMathPara>
+                </a14:m>
+                <a:endParaRPr lang="en-US" sz="2400" b="0" dirty="0">
+                  <a:solidFill>
+                    <a:schemeClr val="bg1"/>
+                  </a:solidFill>
+                </a:endParaRPr>
+              </a:p>
+            </p:txBody>
+          </p:sp>
+        </mc:Choice>
+        <mc:Fallback>
+          <p:sp>
+            <p:nvSpPr>
+              <p:cNvPr id="4" name="TextBox 3">
+                <a:extLst>
+                  <a:ext uri="{FF2B5EF4-FFF2-40B4-BE49-F238E27FC236}">
+                    <a16:creationId xmlns:a16="http://schemas.microsoft.com/office/drawing/2014/main" id="{CECA69D5-B8EF-480D-A7DD-1130509CEAF8}"/>
+                  </a:ext>
+                </a:extLst>
+              </p:cNvPr>
+              <p:cNvSpPr txBox="1">
+                <a:spLocks noRot="1" noChangeAspect="1" noMove="1" noResize="1" noEditPoints="1" noAdjustHandles="1" noChangeArrowheads="1" noChangeShapeType="1" noTextEdit="1"/>
+              </p:cNvSpPr>
+              <p:nvPr/>
+            </p:nvSpPr>
+            <p:spPr>
+              <a:xfrm>
+                <a:off x="170771" y="2002536"/>
+                <a:ext cx="8843458" cy="794448"/>
+              </a:xfrm>
+              <a:prstGeom prst="rect">
+                <a:avLst/>
+              </a:prstGeom>
+              <a:blipFill>
+                <a:blip r:embed="rId7"/>
+                <a:stretch>
+                  <a:fillRect/>
+                </a:stretch>
+              </a:blipFill>
+            </p:spPr>
+            <p:txBody>
+              <a:bodyPr/>
+              <a:lstStyle/>
+              <a:p>
+                <a:r>
+                  <a:rPr lang="en-US">
+                    <a:noFill/>
+                  </a:rPr>
+                  <a:t> </a:t>
+                </a:r>
+              </a:p>
+            </p:txBody>
+          </p:sp>
+        </mc:Fallback>
+      </mc:AlternateContent>
     </p:spTree>
     <p:extLst>
       <p:ext uri="{BB962C8B-B14F-4D97-AF65-F5344CB8AC3E}">

--- a/Slides/Basketball 6/Basketball_6_Lecture.pptx
+++ b/Slides/Basketball 6/Basketball_6_Lecture.pptx
@@ -217,7 +217,7 @@
           <a:p>
             <a:fld id="{C04E5E84-956F-4423-97B3-5936A6D8EEEE}" type="datetimeFigureOut">
               <a:rPr lang="en-US" smtClean="0"/>
-              <a:t>10/7/2020</a:t>
+              <a:t>3/18/2021</a:t>
             </a:fld>
             <a:endParaRPr lang="en-US"/>
           </a:p>
@@ -678,7 +678,7 @@
           <a:p>
             <a:fld id="{3881C039-66A3-4640-815B-3B5A8B7D868D}" type="datetimeFigureOut">
               <a:rPr lang="en-US" smtClean="0"/>
-              <a:t>10/7/2020</a:t>
+              <a:t>3/18/2021</a:t>
             </a:fld>
             <a:endParaRPr lang="en-US"/>
           </a:p>
@@ -848,7 +848,7 @@
           <a:p>
             <a:fld id="{3881C039-66A3-4640-815B-3B5A8B7D868D}" type="datetimeFigureOut">
               <a:rPr lang="en-US" smtClean="0"/>
-              <a:t>10/7/2020</a:t>
+              <a:t>3/18/2021</a:t>
             </a:fld>
             <a:endParaRPr lang="en-US"/>
           </a:p>
@@ -1069,7 +1069,7 @@
           <a:p>
             <a:fld id="{3881C039-66A3-4640-815B-3B5A8B7D868D}" type="datetimeFigureOut">
               <a:rPr lang="en-US" smtClean="0"/>
-              <a:t>10/7/2020</a:t>
+              <a:t>3/18/2021</a:t>
             </a:fld>
             <a:endParaRPr lang="en-US"/>
           </a:p>
@@ -1280,7 +1280,7 @@
           <a:p>
             <a:fld id="{3881C039-66A3-4640-815B-3B5A8B7D868D}" type="datetimeFigureOut">
               <a:rPr lang="en-US" smtClean="0"/>
-              <a:t>10/7/2020</a:t>
+              <a:t>3/18/2021</a:t>
             </a:fld>
             <a:endParaRPr lang="en-US"/>
           </a:p>
@@ -1575,7 +1575,7 @@
           <a:p>
             <a:fld id="{3881C039-66A3-4640-815B-3B5A8B7D868D}" type="datetimeFigureOut">
               <a:rPr lang="en-US" smtClean="0"/>
-              <a:t>10/7/2020</a:t>
+              <a:t>3/18/2021</a:t>
             </a:fld>
             <a:endParaRPr lang="en-US"/>
           </a:p>
@@ -1904,7 +1904,7 @@
           <a:p>
             <a:fld id="{3881C039-66A3-4640-815B-3B5A8B7D868D}" type="datetimeFigureOut">
               <a:rPr lang="en-US" smtClean="0"/>
-              <a:t>10/7/2020</a:t>
+              <a:t>3/18/2021</a:t>
             </a:fld>
             <a:endParaRPr lang="en-US"/>
           </a:p>
@@ -2396,7 +2396,7 @@
           <a:p>
             <a:fld id="{3881C039-66A3-4640-815B-3B5A8B7D868D}" type="datetimeFigureOut">
               <a:rPr lang="en-US" smtClean="0"/>
-              <a:t>10/7/2020</a:t>
+              <a:t>3/18/2021</a:t>
             </a:fld>
             <a:endParaRPr lang="en-US"/>
           </a:p>
@@ -2555,7 +2555,7 @@
           <a:p>
             <a:fld id="{3881C039-66A3-4640-815B-3B5A8B7D868D}" type="datetimeFigureOut">
               <a:rPr lang="en-US" smtClean="0"/>
-              <a:t>10/7/2020</a:t>
+              <a:t>3/18/2021</a:t>
             </a:fld>
             <a:endParaRPr lang="en-US"/>
           </a:p>
@@ -2691,7 +2691,7 @@
           <a:p>
             <a:fld id="{3881C039-66A3-4640-815B-3B5A8B7D868D}" type="datetimeFigureOut">
               <a:rPr lang="en-US" smtClean="0"/>
-              <a:t>10/7/2020</a:t>
+              <a:t>3/18/2021</a:t>
             </a:fld>
             <a:endParaRPr lang="en-US"/>
           </a:p>
@@ -3019,7 +3019,7 @@
           <a:p>
             <a:fld id="{3881C039-66A3-4640-815B-3B5A8B7D868D}" type="datetimeFigureOut">
               <a:rPr lang="en-US" smtClean="0"/>
-              <a:t>10/7/2020</a:t>
+              <a:t>3/18/2021</a:t>
             </a:fld>
             <a:endParaRPr lang="en-US"/>
           </a:p>
@@ -3334,7 +3334,7 @@
           <a:p>
             <a:fld id="{3881C039-66A3-4640-815B-3B5A8B7D868D}" type="datetimeFigureOut">
               <a:rPr lang="en-US" smtClean="0"/>
-              <a:t>10/7/2020</a:t>
+              <a:t>3/18/2021</a:t>
             </a:fld>
             <a:endParaRPr lang="en-US"/>
           </a:p>
@@ -3586,7 +3586,7 @@
           <a:p>
             <a:fld id="{3881C039-66A3-4640-815B-3B5A8B7D868D}" type="datetimeFigureOut">
               <a:rPr lang="en-US" smtClean="0"/>
-              <a:t>10/7/2020</a:t>
+              <a:t>3/18/2021</a:t>
             </a:fld>
             <a:endParaRPr lang="en-US"/>
           </a:p>
@@ -4202,8 +4202,17 @@
               <a:rPr lang="en-US" dirty="0">
                 <a:latin typeface="Selawik Semibold" panose="020B0702040204020203" pitchFamily="34" charset="0"/>
               </a:rPr>
-              <a:t>UNC STOR 390</a:t>
+              <a:t>UNC </a:t>
             </a:r>
+            <a:r>
+              <a:rPr lang="en-US">
+                <a:latin typeface="Selawik Semibold" panose="020B0702040204020203" pitchFamily="34" charset="0"/>
+              </a:rPr>
+              <a:t>STOR 538</a:t>
+            </a:r>
+            <a:endParaRPr lang="en-US" dirty="0">
+              <a:latin typeface="Selawik Semibold" panose="020B0702040204020203" pitchFamily="34" charset="0"/>
+            </a:endParaRPr>
           </a:p>
         </p:txBody>
       </p:sp>
@@ -14405,8 +14414,8 @@
           </p:sp>
         </mc:Fallback>
       </mc:AlternateContent>
-      <mc:AlternateContent xmlns:mc="http://schemas.openxmlformats.org/markup-compatibility/2006">
-        <mc:Choice xmlns:a14="http://schemas.microsoft.com/office/drawing/2010/main" Requires="a14">
+      <mc:AlternateContent xmlns:mc="http://schemas.openxmlformats.org/markup-compatibility/2006" xmlns:a14="http://schemas.microsoft.com/office/drawing/2010/main">
+        <mc:Choice Requires="a14">
           <p:sp>
             <p:nvSpPr>
               <p:cNvPr id="26" name="TextBox 25">
@@ -14553,16 +14562,7 @@
                           </a:solidFill>
                           <a:latin typeface="Cambria Math" panose="02040503050406030204" pitchFamily="18" charset="0"/>
                         </a:rPr>
-                        <m:t>=0.</m:t>
-                      </m:r>
-                      <m:r>
-                        <a:rPr lang="en-US" sz="2400" b="0" i="1" smtClean="0">
-                          <a:solidFill>
-                            <a:schemeClr val="bg1"/>
-                          </a:solidFill>
-                          <a:latin typeface="Cambria Math" panose="02040503050406030204" pitchFamily="18" charset="0"/>
-                        </a:rPr>
-                        <m:t>75</m:t>
+                        <m:t>=0.75</m:t>
                       </m:r>
                       <m:r>
                         <a:rPr lang="en-US" sz="2400" i="1">
@@ -14598,16 +14598,7 @@
                           </a:solidFill>
                           <a:latin typeface="Cambria Math" panose="02040503050406030204" pitchFamily="18" charset="0"/>
                         </a:rPr>
-                        <m:t>0.47</m:t>
-                      </m:r>
-                      <m:r>
-                        <a:rPr lang="en-US" sz="2400" b="0" i="1" smtClean="0">
-                          <a:solidFill>
-                            <a:schemeClr val="bg1"/>
-                          </a:solidFill>
-                          <a:latin typeface="Cambria Math" panose="02040503050406030204" pitchFamily="18" charset="0"/>
-                        </a:rPr>
-                        <m:t>×0.5</m:t>
+                        <m:t>0.47×0.5</m:t>
                       </m:r>
                     </m:oMath>
                   </m:oMathPara>
@@ -14621,7 +14612,7 @@
             </p:txBody>
           </p:sp>
         </mc:Choice>
-        <mc:Fallback>
+        <mc:Fallback xmlns="">
           <p:sp>
             <p:nvSpPr>
               <p:cNvPr id="26" name="TextBox 25">
@@ -14666,8 +14657,8 @@
           </p:sp>
         </mc:Fallback>
       </mc:AlternateContent>
-      <mc:AlternateContent xmlns:mc="http://schemas.openxmlformats.org/markup-compatibility/2006">
-        <mc:Choice xmlns:a14="http://schemas.microsoft.com/office/drawing/2010/main" Requires="a14">
+      <mc:AlternateContent xmlns:mc="http://schemas.openxmlformats.org/markup-compatibility/2006" xmlns:a14="http://schemas.microsoft.com/office/drawing/2010/main">
+        <mc:Choice Requires="a14">
           <p:sp>
             <p:nvSpPr>
               <p:cNvPr id="3" name="TextBox 2">
@@ -14710,25 +14701,7 @@
                           </a:solidFill>
                           <a:latin typeface="Cambria Math" panose="02040503050406030204" pitchFamily="18" charset="0"/>
                         </a:rPr>
-                        <m:t>=0.05</m:t>
-                      </m:r>
-                      <m:r>
-                        <a:rPr lang="en-US" sz="2400" b="0" i="1" smtClean="0">
-                          <a:solidFill>
-                            <a:schemeClr val="bg1"/>
-                          </a:solidFill>
-                          <a:latin typeface="Cambria Math" panose="02040503050406030204" pitchFamily="18" charset="0"/>
-                        </a:rPr>
-                        <m:t>×0.</m:t>
-                      </m:r>
-                      <m:r>
-                        <a:rPr lang="en-US" sz="2400" b="0" i="1" smtClean="0">
-                          <a:solidFill>
-                            <a:schemeClr val="bg1"/>
-                          </a:solidFill>
-                          <a:latin typeface="Cambria Math" panose="02040503050406030204" pitchFamily="18" charset="0"/>
-                        </a:rPr>
-                        <m:t>5</m:t>
+                        <m:t>=0.05×0.5</m:t>
                       </m:r>
                     </m:oMath>
                   </m:oMathPara>
@@ -14742,7 +14715,7 @@
             </p:txBody>
           </p:sp>
         </mc:Choice>
-        <mc:Fallback>
+        <mc:Fallback xmlns="">
           <p:sp>
             <p:nvSpPr>
               <p:cNvPr id="3" name="TextBox 2">
@@ -14787,8 +14760,8 @@
           </p:sp>
         </mc:Fallback>
       </mc:AlternateContent>
-      <mc:AlternateContent xmlns:mc="http://schemas.openxmlformats.org/markup-compatibility/2006">
-        <mc:Choice xmlns:a14="http://schemas.microsoft.com/office/drawing/2010/main" Requires="a14">
+      <mc:AlternateContent xmlns:mc="http://schemas.openxmlformats.org/markup-compatibility/2006" xmlns:a14="http://schemas.microsoft.com/office/drawing/2010/main">
+        <mc:Choice Requires="a14">
           <p:sp>
             <p:nvSpPr>
               <p:cNvPr id="29" name="TextBox 28">
@@ -14841,7 +14814,7 @@
             </p:txBody>
           </p:sp>
         </mc:Choice>
-        <mc:Fallback>
+        <mc:Fallback xmlns="">
           <p:sp>
             <p:nvSpPr>
               <p:cNvPr id="29" name="TextBox 28">
@@ -15756,8 +15729,8 @@
           </a:fontRef>
         </p:style>
       </p:cxnSp>
-      <mc:AlternateContent xmlns:mc="http://schemas.openxmlformats.org/markup-compatibility/2006">
-        <mc:Choice xmlns:a14="http://schemas.microsoft.com/office/drawing/2010/main" Requires="a14">
+      <mc:AlternateContent xmlns:mc="http://schemas.openxmlformats.org/markup-compatibility/2006" xmlns:a14="http://schemas.microsoft.com/office/drawing/2010/main">
+        <mc:Choice Requires="a14">
           <p:sp>
             <p:nvSpPr>
               <p:cNvPr id="22" name="TextBox 21">
@@ -15949,7 +15922,7 @@
             </p:txBody>
           </p:sp>
         </mc:Choice>
-        <mc:Fallback>
+        <mc:Fallback xmlns="">
           <p:sp>
             <p:nvSpPr>
               <p:cNvPr id="22" name="TextBox 21">
@@ -16352,8 +16325,8 @@
           </a:graphicData>
         </a:graphic>
       </p:graphicFrame>
-      <mc:AlternateContent xmlns:mc="http://schemas.openxmlformats.org/markup-compatibility/2006">
-        <mc:Choice xmlns:a14="http://schemas.microsoft.com/office/drawing/2010/main" Requires="a14">
+      <mc:AlternateContent xmlns:mc="http://schemas.openxmlformats.org/markup-compatibility/2006" xmlns:a14="http://schemas.microsoft.com/office/drawing/2010/main">
+        <mc:Choice Requires="a14">
           <p:sp>
             <p:nvSpPr>
               <p:cNvPr id="4" name="TextBox 3">
@@ -16462,7 +16435,7 @@
             </p:txBody>
           </p:sp>
         </mc:Choice>
-        <mc:Fallback>
+        <mc:Fallback xmlns="">
           <p:sp>
             <p:nvSpPr>
               <p:cNvPr id="4" name="TextBox 3">

--- a/Slides/Basketball 6/Basketball_6_Lecture.pptx
+++ b/Slides/Basketball 6/Basketball_6_Lecture.pptx
@@ -217,7 +217,7 @@
           <a:p>
             <a:fld id="{C04E5E84-956F-4423-97B3-5936A6D8EEEE}" type="datetimeFigureOut">
               <a:rPr lang="en-US" smtClean="0"/>
-              <a:t>3/18/2021</a:t>
+              <a:t>3/21/2023</a:t>
             </a:fld>
             <a:endParaRPr lang="en-US"/>
           </a:p>
@@ -678,7 +678,7 @@
           <a:p>
             <a:fld id="{3881C039-66A3-4640-815B-3B5A8B7D868D}" type="datetimeFigureOut">
               <a:rPr lang="en-US" smtClean="0"/>
-              <a:t>3/18/2021</a:t>
+              <a:t>3/21/2023</a:t>
             </a:fld>
             <a:endParaRPr lang="en-US"/>
           </a:p>
@@ -848,7 +848,7 @@
           <a:p>
             <a:fld id="{3881C039-66A3-4640-815B-3B5A8B7D868D}" type="datetimeFigureOut">
               <a:rPr lang="en-US" smtClean="0"/>
-              <a:t>3/18/2021</a:t>
+              <a:t>3/21/2023</a:t>
             </a:fld>
             <a:endParaRPr lang="en-US"/>
           </a:p>
@@ -1069,7 +1069,7 @@
           <a:p>
             <a:fld id="{3881C039-66A3-4640-815B-3B5A8B7D868D}" type="datetimeFigureOut">
               <a:rPr lang="en-US" smtClean="0"/>
-              <a:t>3/18/2021</a:t>
+              <a:t>3/21/2023</a:t>
             </a:fld>
             <a:endParaRPr lang="en-US"/>
           </a:p>
@@ -1280,7 +1280,7 @@
           <a:p>
             <a:fld id="{3881C039-66A3-4640-815B-3B5A8B7D868D}" type="datetimeFigureOut">
               <a:rPr lang="en-US" smtClean="0"/>
-              <a:t>3/18/2021</a:t>
+              <a:t>3/21/2023</a:t>
             </a:fld>
             <a:endParaRPr lang="en-US"/>
           </a:p>
@@ -1575,7 +1575,7 @@
           <a:p>
             <a:fld id="{3881C039-66A3-4640-815B-3B5A8B7D868D}" type="datetimeFigureOut">
               <a:rPr lang="en-US" smtClean="0"/>
-              <a:t>3/18/2021</a:t>
+              <a:t>3/21/2023</a:t>
             </a:fld>
             <a:endParaRPr lang="en-US"/>
           </a:p>
@@ -1904,7 +1904,7 @@
           <a:p>
             <a:fld id="{3881C039-66A3-4640-815B-3B5A8B7D868D}" type="datetimeFigureOut">
               <a:rPr lang="en-US" smtClean="0"/>
-              <a:t>3/18/2021</a:t>
+              <a:t>3/21/2023</a:t>
             </a:fld>
             <a:endParaRPr lang="en-US"/>
           </a:p>
@@ -2396,7 +2396,7 @@
           <a:p>
             <a:fld id="{3881C039-66A3-4640-815B-3B5A8B7D868D}" type="datetimeFigureOut">
               <a:rPr lang="en-US" smtClean="0"/>
-              <a:t>3/18/2021</a:t>
+              <a:t>3/21/2023</a:t>
             </a:fld>
             <a:endParaRPr lang="en-US"/>
           </a:p>
@@ -2555,7 +2555,7 @@
           <a:p>
             <a:fld id="{3881C039-66A3-4640-815B-3B5A8B7D868D}" type="datetimeFigureOut">
               <a:rPr lang="en-US" smtClean="0"/>
-              <a:t>3/18/2021</a:t>
+              <a:t>3/21/2023</a:t>
             </a:fld>
             <a:endParaRPr lang="en-US"/>
           </a:p>
@@ -2691,7 +2691,7 @@
           <a:p>
             <a:fld id="{3881C039-66A3-4640-815B-3B5A8B7D868D}" type="datetimeFigureOut">
               <a:rPr lang="en-US" smtClean="0"/>
-              <a:t>3/18/2021</a:t>
+              <a:t>3/21/2023</a:t>
             </a:fld>
             <a:endParaRPr lang="en-US"/>
           </a:p>
@@ -3019,7 +3019,7 @@
           <a:p>
             <a:fld id="{3881C039-66A3-4640-815B-3B5A8B7D868D}" type="datetimeFigureOut">
               <a:rPr lang="en-US" smtClean="0"/>
-              <a:t>3/18/2021</a:t>
+              <a:t>3/21/2023</a:t>
             </a:fld>
             <a:endParaRPr lang="en-US"/>
           </a:p>
@@ -3334,7 +3334,7 @@
           <a:p>
             <a:fld id="{3881C039-66A3-4640-815B-3B5A8B7D868D}" type="datetimeFigureOut">
               <a:rPr lang="en-US" smtClean="0"/>
-              <a:t>3/18/2021</a:t>
+              <a:t>3/21/2023</a:t>
             </a:fld>
             <a:endParaRPr lang="en-US"/>
           </a:p>
@@ -3586,7 +3586,7 @@
           <a:p>
             <a:fld id="{3881C039-66A3-4640-815B-3B5A8B7D868D}" type="datetimeFigureOut">
               <a:rPr lang="en-US" smtClean="0"/>
-              <a:t>3/18/2021</a:t>
+              <a:t>3/21/2023</a:t>
             </a:fld>
             <a:endParaRPr lang="en-US"/>
           </a:p>
@@ -6239,8 +6239,8 @@
           </a:fontRef>
         </p:style>
       </p:cxnSp>
-      <mc:AlternateContent xmlns:mc="http://schemas.openxmlformats.org/markup-compatibility/2006" xmlns:a14="http://schemas.microsoft.com/office/drawing/2010/main">
-        <mc:Choice Requires="a14">
+      <mc:AlternateContent xmlns:mc="http://schemas.openxmlformats.org/markup-compatibility/2006">
+        <mc:Choice xmlns:a14="http://schemas.microsoft.com/office/drawing/2010/main" Requires="a14">
           <p:sp>
             <p:nvSpPr>
               <p:cNvPr id="3" name="TextBox 2">
@@ -6310,7 +6310,16 @@
                         </a:solidFill>
                         <a:latin typeface="Cambria Math" panose="02040503050406030204" pitchFamily="18" charset="0"/>
                       </a:rPr>
-                      <m:t>=0.45</m:t>
+                      <m:t>=0.</m:t>
+                    </m:r>
+                    <m:r>
+                      <a:rPr lang="en-US" sz="2400" b="0" i="1" smtClean="0">
+                        <a:solidFill>
+                          <a:schemeClr val="bg1"/>
+                        </a:solidFill>
+                        <a:latin typeface="Cambria Math" panose="02040503050406030204" pitchFamily="18" charset="0"/>
+                      </a:rPr>
+                      <m:t>52</m:t>
                     </m:r>
                   </m:oMath>
                 </a14:m>
@@ -6381,7 +6390,16 @@
                         </a:solidFill>
                         <a:latin typeface="Cambria Math" panose="02040503050406030204" pitchFamily="18" charset="0"/>
                       </a:rPr>
-                      <m:t>33</m:t>
+                      <m:t>3</m:t>
+                    </m:r>
+                    <m:r>
+                      <a:rPr lang="en-US" sz="2400" b="0" i="1" smtClean="0">
+                        <a:solidFill>
+                          <a:schemeClr val="bg1"/>
+                        </a:solidFill>
+                        <a:latin typeface="Cambria Math" panose="02040503050406030204" pitchFamily="18" charset="0"/>
+                      </a:rPr>
+                      <m:t>6</m:t>
                     </m:r>
                   </m:oMath>
                 </a14:m>
@@ -6447,7 +6465,7 @@
             </p:txBody>
           </p:sp>
         </mc:Choice>
-        <mc:Fallback xmlns="">
+        <mc:Fallback>
           <p:sp>
             <p:nvSpPr>
               <p:cNvPr id="3" name="TextBox 2">
@@ -8317,7 +8335,7 @@
                   <a:latin typeface="Calibri" panose="020F0502020204030204" pitchFamily="34" charset="0"/>
                   <a:cs typeface="Calibri" panose="020F0502020204030204" pitchFamily="34" charset="0"/>
                 </a:rPr>
-                <a:t>0.45</a:t>
+                <a:t>0.52</a:t>
               </a:r>
             </a:p>
           </p:txBody>
@@ -8399,7 +8417,7 @@
                   <a:latin typeface="Calibri" panose="020F0502020204030204" pitchFamily="34" charset="0"/>
                   <a:cs typeface="Calibri" panose="020F0502020204030204" pitchFamily="34" charset="0"/>
                 </a:rPr>
-                <a:t>0.55</a:t>
+                <a:t>0.48</a:t>
               </a:r>
             </a:p>
           </p:txBody>
@@ -8481,7 +8499,7 @@
                   <a:latin typeface="Calibri" panose="020F0502020204030204" pitchFamily="34" charset="0"/>
                   <a:cs typeface="Calibri" panose="020F0502020204030204" pitchFamily="34" charset="0"/>
                 </a:rPr>
-                <a:t>0.33</a:t>
+                <a:t>0.36</a:t>
               </a:r>
             </a:p>
           </p:txBody>
@@ -8522,7 +8540,7 @@
                   <a:latin typeface="Calibri" panose="020F0502020204030204" pitchFamily="34" charset="0"/>
                   <a:cs typeface="Calibri" panose="020F0502020204030204" pitchFamily="34" charset="0"/>
                 </a:rPr>
-                <a:t>0.66</a:t>
+                <a:t>0.64</a:t>
               </a:r>
             </a:p>
           </p:txBody>
@@ -9470,8 +9488,8 @@
           </a:fontRef>
         </p:style>
       </p:cxnSp>
-      <mc:AlternateContent xmlns:mc="http://schemas.openxmlformats.org/markup-compatibility/2006" xmlns:a14="http://schemas.microsoft.com/office/drawing/2010/main">
-        <mc:Choice Requires="a14">
+      <mc:AlternateContent xmlns:mc="http://schemas.openxmlformats.org/markup-compatibility/2006">
+        <mc:Choice xmlns:a14="http://schemas.microsoft.com/office/drawing/2010/main" Requires="a14">
           <p:sp>
             <p:nvSpPr>
               <p:cNvPr id="48" name="TextBox 47">
@@ -9664,7 +9682,34 @@
                           </a:solidFill>
                           <a:latin typeface="Cambria Math" panose="02040503050406030204" pitchFamily="18" charset="0"/>
                         </a:rPr>
-                        <m:t>=0.45×0.5=0.225</m:t>
+                        <m:t>=0.</m:t>
+                      </m:r>
+                      <m:r>
+                        <a:rPr lang="en-US" sz="2400" b="0" i="1" smtClean="0">
+                          <a:solidFill>
+                            <a:schemeClr val="bg1"/>
+                          </a:solidFill>
+                          <a:latin typeface="Cambria Math" panose="02040503050406030204" pitchFamily="18" charset="0"/>
+                        </a:rPr>
+                        <m:t>52</m:t>
+                      </m:r>
+                      <m:r>
+                        <a:rPr lang="en-US" sz="2400" b="0" i="1" smtClean="0">
+                          <a:solidFill>
+                            <a:schemeClr val="bg1"/>
+                          </a:solidFill>
+                          <a:latin typeface="Cambria Math" panose="02040503050406030204" pitchFamily="18" charset="0"/>
+                        </a:rPr>
+                        <m:t>×0.5=0.2</m:t>
+                      </m:r>
+                      <m:r>
+                        <a:rPr lang="en-US" sz="2400" b="0" i="1" smtClean="0">
+                          <a:solidFill>
+                            <a:schemeClr val="bg1"/>
+                          </a:solidFill>
+                          <a:latin typeface="Cambria Math" panose="02040503050406030204" pitchFamily="18" charset="0"/>
+                        </a:rPr>
+                        <m:t>6</m:t>
                       </m:r>
                     </m:oMath>
                   </m:oMathPara>
@@ -9678,7 +9723,7 @@
             </p:txBody>
           </p:sp>
         </mc:Choice>
-        <mc:Fallback xmlns="">
+        <mc:Fallback>
           <p:sp>
             <p:nvSpPr>
               <p:cNvPr id="48" name="TextBox 47">
@@ -9723,8 +9768,8 @@
           </p:sp>
         </mc:Fallback>
       </mc:AlternateContent>
-      <mc:AlternateContent xmlns:mc="http://schemas.openxmlformats.org/markup-compatibility/2006" xmlns:a14="http://schemas.microsoft.com/office/drawing/2010/main">
-        <mc:Choice Requires="a14">
+      <mc:AlternateContent xmlns:mc="http://schemas.openxmlformats.org/markup-compatibility/2006">
+        <mc:Choice xmlns:a14="http://schemas.microsoft.com/office/drawing/2010/main" Requires="a14">
           <p:sp>
             <p:nvSpPr>
               <p:cNvPr id="49" name="TextBox 48">
@@ -9876,7 +9921,16 @@
                           </a:solidFill>
                           <a:latin typeface="Cambria Math" panose="02040503050406030204" pitchFamily="18" charset="0"/>
                         </a:rPr>
-                        <m:t>=0.333</m:t>
+                        <m:t>=0.3</m:t>
+                      </m:r>
+                      <m:r>
+                        <a:rPr lang="en-US" sz="2400" b="0" i="1" smtClean="0">
+                          <a:solidFill>
+                            <a:schemeClr val="bg1"/>
+                          </a:solidFill>
+                          <a:latin typeface="Cambria Math" panose="02040503050406030204" pitchFamily="18" charset="0"/>
+                        </a:rPr>
+                        <m:t>6</m:t>
                       </m:r>
                     </m:oMath>
                   </m:oMathPara>
@@ -9890,7 +9944,7 @@
             </p:txBody>
           </p:sp>
         </mc:Choice>
-        <mc:Fallback xmlns="">
+        <mc:Fallback>
           <p:sp>
             <p:nvSpPr>
               <p:cNvPr id="49" name="TextBox 48">
@@ -12132,7 +12186,7 @@
                     <a:latin typeface="Calibri" panose="020F0502020204030204" pitchFamily="34" charset="0"/>
                     <a:cs typeface="Calibri" panose="020F0502020204030204" pitchFamily="34" charset="0"/>
                   </a:rPr>
-                  <a:t>0.45</a:t>
+                  <a:t>0.52</a:t>
                 </a:r>
               </a:p>
             </p:txBody>
@@ -12214,7 +12268,7 @@
                     <a:latin typeface="Calibri" panose="020F0502020204030204" pitchFamily="34" charset="0"/>
                     <a:cs typeface="Calibri" panose="020F0502020204030204" pitchFamily="34" charset="0"/>
                   </a:rPr>
-                  <a:t>0.55</a:t>
+                  <a:t>0.48</a:t>
                 </a:r>
               </a:p>
             </p:txBody>
@@ -12296,7 +12350,7 @@
                     <a:latin typeface="Calibri" panose="020F0502020204030204" pitchFamily="34" charset="0"/>
                     <a:cs typeface="Calibri" panose="020F0502020204030204" pitchFamily="34" charset="0"/>
                   </a:rPr>
-                  <a:t>0.33</a:t>
+                  <a:t>0.36</a:t>
                 </a:r>
               </a:p>
             </p:txBody>
@@ -12337,7 +12391,7 @@
                     <a:latin typeface="Calibri" panose="020F0502020204030204" pitchFamily="34" charset="0"/>
                     <a:cs typeface="Calibri" panose="020F0502020204030204" pitchFamily="34" charset="0"/>
                   </a:rPr>
-                  <a:t>0.66</a:t>
+                  <a:t>0.64</a:t>
                 </a:r>
               </a:p>
             </p:txBody>

--- a/Slides/Basketball 6/Basketball_6_Lecture.pptx
+++ b/Slides/Basketball 6/Basketball_6_Lecture.pptx
@@ -217,7 +217,7 @@
           <a:p>
             <a:fld id="{C04E5E84-956F-4423-97B3-5936A6D8EEEE}" type="datetimeFigureOut">
               <a:rPr lang="en-US" smtClean="0"/>
-              <a:t>3/21/2023</a:t>
+              <a:t>3/24/2023</a:t>
             </a:fld>
             <a:endParaRPr lang="en-US"/>
           </a:p>
@@ -678,7 +678,7 @@
           <a:p>
             <a:fld id="{3881C039-66A3-4640-815B-3B5A8B7D868D}" type="datetimeFigureOut">
               <a:rPr lang="en-US" smtClean="0"/>
-              <a:t>3/21/2023</a:t>
+              <a:t>3/24/2023</a:t>
             </a:fld>
             <a:endParaRPr lang="en-US"/>
           </a:p>
@@ -848,7 +848,7 @@
           <a:p>
             <a:fld id="{3881C039-66A3-4640-815B-3B5A8B7D868D}" type="datetimeFigureOut">
               <a:rPr lang="en-US" smtClean="0"/>
-              <a:t>3/21/2023</a:t>
+              <a:t>3/24/2023</a:t>
             </a:fld>
             <a:endParaRPr lang="en-US"/>
           </a:p>
@@ -1069,7 +1069,7 @@
           <a:p>
             <a:fld id="{3881C039-66A3-4640-815B-3B5A8B7D868D}" type="datetimeFigureOut">
               <a:rPr lang="en-US" smtClean="0"/>
-              <a:t>3/21/2023</a:t>
+              <a:t>3/24/2023</a:t>
             </a:fld>
             <a:endParaRPr lang="en-US"/>
           </a:p>
@@ -1280,7 +1280,7 @@
           <a:p>
             <a:fld id="{3881C039-66A3-4640-815B-3B5A8B7D868D}" type="datetimeFigureOut">
               <a:rPr lang="en-US" smtClean="0"/>
-              <a:t>3/21/2023</a:t>
+              <a:t>3/24/2023</a:t>
             </a:fld>
             <a:endParaRPr lang="en-US"/>
           </a:p>
@@ -1575,7 +1575,7 @@
           <a:p>
             <a:fld id="{3881C039-66A3-4640-815B-3B5A8B7D868D}" type="datetimeFigureOut">
               <a:rPr lang="en-US" smtClean="0"/>
-              <a:t>3/21/2023</a:t>
+              <a:t>3/24/2023</a:t>
             </a:fld>
             <a:endParaRPr lang="en-US"/>
           </a:p>
@@ -1904,7 +1904,7 @@
           <a:p>
             <a:fld id="{3881C039-66A3-4640-815B-3B5A8B7D868D}" type="datetimeFigureOut">
               <a:rPr lang="en-US" smtClean="0"/>
-              <a:t>3/21/2023</a:t>
+              <a:t>3/24/2023</a:t>
             </a:fld>
             <a:endParaRPr lang="en-US"/>
           </a:p>
@@ -2396,7 +2396,7 @@
           <a:p>
             <a:fld id="{3881C039-66A3-4640-815B-3B5A8B7D868D}" type="datetimeFigureOut">
               <a:rPr lang="en-US" smtClean="0"/>
-              <a:t>3/21/2023</a:t>
+              <a:t>3/24/2023</a:t>
             </a:fld>
             <a:endParaRPr lang="en-US"/>
           </a:p>
@@ -2555,7 +2555,7 @@
           <a:p>
             <a:fld id="{3881C039-66A3-4640-815B-3B5A8B7D868D}" type="datetimeFigureOut">
               <a:rPr lang="en-US" smtClean="0"/>
-              <a:t>3/21/2023</a:t>
+              <a:t>3/24/2023</a:t>
             </a:fld>
             <a:endParaRPr lang="en-US"/>
           </a:p>
@@ -2691,7 +2691,7 @@
           <a:p>
             <a:fld id="{3881C039-66A3-4640-815B-3B5A8B7D868D}" type="datetimeFigureOut">
               <a:rPr lang="en-US" smtClean="0"/>
-              <a:t>3/21/2023</a:t>
+              <a:t>3/24/2023</a:t>
             </a:fld>
             <a:endParaRPr lang="en-US"/>
           </a:p>
@@ -3019,7 +3019,7 @@
           <a:p>
             <a:fld id="{3881C039-66A3-4640-815B-3B5A8B7D868D}" type="datetimeFigureOut">
               <a:rPr lang="en-US" smtClean="0"/>
-              <a:t>3/21/2023</a:t>
+              <a:t>3/24/2023</a:t>
             </a:fld>
             <a:endParaRPr lang="en-US"/>
           </a:p>
@@ -3334,7 +3334,7 @@
           <a:p>
             <a:fld id="{3881C039-66A3-4640-815B-3B5A8B7D868D}" type="datetimeFigureOut">
               <a:rPr lang="en-US" smtClean="0"/>
-              <a:t>3/21/2023</a:t>
+              <a:t>3/24/2023</a:t>
             </a:fld>
             <a:endParaRPr lang="en-US"/>
           </a:p>
@@ -3586,7 +3586,7 @@
           <a:p>
             <a:fld id="{3881C039-66A3-4640-815B-3B5A8B7D868D}" type="datetimeFigureOut">
               <a:rPr lang="en-US" smtClean="0"/>
-              <a:t>3/21/2023</a:t>
+              <a:t>3/24/2023</a:t>
             </a:fld>
             <a:endParaRPr lang="en-US"/>
           </a:p>
@@ -6239,8 +6239,8 @@
           </a:fontRef>
         </p:style>
       </p:cxnSp>
-      <mc:AlternateContent xmlns:mc="http://schemas.openxmlformats.org/markup-compatibility/2006">
-        <mc:Choice xmlns:a14="http://schemas.microsoft.com/office/drawing/2010/main" Requires="a14">
+      <mc:AlternateContent xmlns:mc="http://schemas.openxmlformats.org/markup-compatibility/2006" xmlns:a14="http://schemas.microsoft.com/office/drawing/2010/main">
+        <mc:Choice Requires="a14">
           <p:sp>
             <p:nvSpPr>
               <p:cNvPr id="3" name="TextBox 2">
@@ -6310,16 +6310,7 @@
                         </a:solidFill>
                         <a:latin typeface="Cambria Math" panose="02040503050406030204" pitchFamily="18" charset="0"/>
                       </a:rPr>
-                      <m:t>=0.</m:t>
-                    </m:r>
-                    <m:r>
-                      <a:rPr lang="en-US" sz="2400" b="0" i="1" smtClean="0">
-                        <a:solidFill>
-                          <a:schemeClr val="bg1"/>
-                        </a:solidFill>
-                        <a:latin typeface="Cambria Math" panose="02040503050406030204" pitchFamily="18" charset="0"/>
-                      </a:rPr>
-                      <m:t>52</m:t>
+                      <m:t>=0.52</m:t>
                     </m:r>
                   </m:oMath>
                 </a14:m>
@@ -6390,16 +6381,7 @@
                         </a:solidFill>
                         <a:latin typeface="Cambria Math" panose="02040503050406030204" pitchFamily="18" charset="0"/>
                       </a:rPr>
-                      <m:t>3</m:t>
-                    </m:r>
-                    <m:r>
-                      <a:rPr lang="en-US" sz="2400" b="0" i="1" smtClean="0">
-                        <a:solidFill>
-                          <a:schemeClr val="bg1"/>
-                        </a:solidFill>
-                        <a:latin typeface="Cambria Math" panose="02040503050406030204" pitchFamily="18" charset="0"/>
-                      </a:rPr>
-                      <m:t>6</m:t>
+                      <m:t>36</m:t>
                     </m:r>
                   </m:oMath>
                 </a14:m>
@@ -6465,7 +6447,7 @@
             </p:txBody>
           </p:sp>
         </mc:Choice>
-        <mc:Fallback>
+        <mc:Fallback xmlns="">
           <p:sp>
             <p:nvSpPr>
               <p:cNvPr id="3" name="TextBox 2">
@@ -9488,8 +9470,8 @@
           </a:fontRef>
         </p:style>
       </p:cxnSp>
-      <mc:AlternateContent xmlns:mc="http://schemas.openxmlformats.org/markup-compatibility/2006">
-        <mc:Choice xmlns:a14="http://schemas.microsoft.com/office/drawing/2010/main" Requires="a14">
+      <mc:AlternateContent xmlns:mc="http://schemas.openxmlformats.org/markup-compatibility/2006" xmlns:a14="http://schemas.microsoft.com/office/drawing/2010/main">
+        <mc:Choice Requires="a14">
           <p:sp>
             <p:nvSpPr>
               <p:cNvPr id="48" name="TextBox 47">
@@ -9682,34 +9664,7 @@
                           </a:solidFill>
                           <a:latin typeface="Cambria Math" panose="02040503050406030204" pitchFamily="18" charset="0"/>
                         </a:rPr>
-                        <m:t>=0.</m:t>
-                      </m:r>
-                      <m:r>
-                        <a:rPr lang="en-US" sz="2400" b="0" i="1" smtClean="0">
-                          <a:solidFill>
-                            <a:schemeClr val="bg1"/>
-                          </a:solidFill>
-                          <a:latin typeface="Cambria Math" panose="02040503050406030204" pitchFamily="18" charset="0"/>
-                        </a:rPr>
-                        <m:t>52</m:t>
-                      </m:r>
-                      <m:r>
-                        <a:rPr lang="en-US" sz="2400" b="0" i="1" smtClean="0">
-                          <a:solidFill>
-                            <a:schemeClr val="bg1"/>
-                          </a:solidFill>
-                          <a:latin typeface="Cambria Math" panose="02040503050406030204" pitchFamily="18" charset="0"/>
-                        </a:rPr>
-                        <m:t>×0.5=0.2</m:t>
-                      </m:r>
-                      <m:r>
-                        <a:rPr lang="en-US" sz="2400" b="0" i="1" smtClean="0">
-                          <a:solidFill>
-                            <a:schemeClr val="bg1"/>
-                          </a:solidFill>
-                          <a:latin typeface="Cambria Math" panose="02040503050406030204" pitchFamily="18" charset="0"/>
-                        </a:rPr>
-                        <m:t>6</m:t>
+                        <m:t>=0.52×0.5=0.26</m:t>
                       </m:r>
                     </m:oMath>
                   </m:oMathPara>
@@ -9723,7 +9678,7 @@
             </p:txBody>
           </p:sp>
         </mc:Choice>
-        <mc:Fallback>
+        <mc:Fallback xmlns="">
           <p:sp>
             <p:nvSpPr>
               <p:cNvPr id="48" name="TextBox 47">
@@ -9768,8 +9723,8 @@
           </p:sp>
         </mc:Fallback>
       </mc:AlternateContent>
-      <mc:AlternateContent xmlns:mc="http://schemas.openxmlformats.org/markup-compatibility/2006">
-        <mc:Choice xmlns:a14="http://schemas.microsoft.com/office/drawing/2010/main" Requires="a14">
+      <mc:AlternateContent xmlns:mc="http://schemas.openxmlformats.org/markup-compatibility/2006" xmlns:a14="http://schemas.microsoft.com/office/drawing/2010/main">
+        <mc:Choice Requires="a14">
           <p:sp>
             <p:nvSpPr>
               <p:cNvPr id="49" name="TextBox 48">
@@ -9921,16 +9876,7 @@
                           </a:solidFill>
                           <a:latin typeface="Cambria Math" panose="02040503050406030204" pitchFamily="18" charset="0"/>
                         </a:rPr>
-                        <m:t>=0.3</m:t>
-                      </m:r>
-                      <m:r>
-                        <a:rPr lang="en-US" sz="2400" b="0" i="1" smtClean="0">
-                          <a:solidFill>
-                            <a:schemeClr val="bg1"/>
-                          </a:solidFill>
-                          <a:latin typeface="Cambria Math" panose="02040503050406030204" pitchFamily="18" charset="0"/>
-                        </a:rPr>
-                        <m:t>6</m:t>
+                        <m:t>=0.36</m:t>
                       </m:r>
                     </m:oMath>
                   </m:oMathPara>
@@ -9944,7 +9890,7 @@
             </p:txBody>
           </p:sp>
         </mc:Choice>
-        <mc:Fallback>
+        <mc:Fallback xmlns="">
           <p:sp>
             <p:nvSpPr>
               <p:cNvPr id="49" name="TextBox 48">
@@ -13611,8 +13557,66 @@
                 </a:solidFill>
                 <a:latin typeface="Selawik Semibold" panose="020B0702040204020203" pitchFamily="34" charset="0"/>
               </a:rPr>
-              <a:t>In This Circumstance, There is a 5% Chance of Tying the Game</a:t>
+              <a:t>Probability Other Team Wins Off 2 Pointer</a:t>
             </a:r>
+          </a:p>
+          <a:p>
+            <a:pPr lvl="2">
+              <a:buSzPct val="100000"/>
+            </a:pPr>
+            <a:endParaRPr lang="en-US" sz="1800" dirty="0">
+              <a:solidFill>
+                <a:schemeClr val="bg1"/>
+              </a:solidFill>
+              <a:latin typeface="Selawik Semibold" panose="020B0702040204020203" pitchFamily="34" charset="0"/>
+            </a:endParaRPr>
+          </a:p>
+          <a:p>
+            <a:pPr lvl="2">
+              <a:buSzPct val="100000"/>
+            </a:pPr>
+            <a:endParaRPr lang="en-US" sz="1800" dirty="0">
+              <a:solidFill>
+                <a:schemeClr val="bg1"/>
+              </a:solidFill>
+              <a:latin typeface="Selawik Semibold" panose="020B0702040204020203" pitchFamily="34" charset="0"/>
+            </a:endParaRPr>
+          </a:p>
+          <a:p>
+            <a:pPr lvl="2">
+              <a:buSzPct val="100000"/>
+            </a:pPr>
+            <a:endParaRPr lang="en-US" sz="1800" dirty="0">
+              <a:solidFill>
+                <a:schemeClr val="bg1"/>
+              </a:solidFill>
+              <a:latin typeface="Selawik Semibold" panose="020B0702040204020203" pitchFamily="34" charset="0"/>
+            </a:endParaRPr>
+          </a:p>
+          <a:p>
+            <a:pPr lvl="2">
+              <a:buSzPct val="100000"/>
+            </a:pPr>
+            <a:r>
+              <a:rPr lang="en-US" sz="1800" dirty="0">
+                <a:solidFill>
+                  <a:schemeClr val="bg1"/>
+                </a:solidFill>
+                <a:latin typeface="Selawik Semibold" panose="020B0702040204020203" pitchFamily="34" charset="0"/>
+              </a:rPr>
+              <a:t>Probability Other Team Wins Off 3 Pointer</a:t>
+            </a:r>
+          </a:p>
+          <a:p>
+            <a:pPr lvl="2">
+              <a:buSzPct val="100000"/>
+            </a:pPr>
+            <a:endParaRPr lang="en-US" sz="1800" dirty="0">
+              <a:solidFill>
+                <a:schemeClr val="bg1"/>
+              </a:solidFill>
+              <a:latin typeface="Selawik Semibold" panose="020B0702040204020203" pitchFamily="34" charset="0"/>
+            </a:endParaRPr>
           </a:p>
           <a:p>
             <a:pPr lvl="2">
@@ -14468,8 +14472,8 @@
           </p:sp>
         </mc:Fallback>
       </mc:AlternateContent>
-      <mc:AlternateContent xmlns:mc="http://schemas.openxmlformats.org/markup-compatibility/2006" xmlns:a14="http://schemas.microsoft.com/office/drawing/2010/main">
-        <mc:Choice Requires="a14">
+      <mc:AlternateContent xmlns:mc="http://schemas.openxmlformats.org/markup-compatibility/2006">
+        <mc:Choice xmlns:a14="http://schemas.microsoft.com/office/drawing/2010/main" Requires="a14">
           <p:sp>
             <p:nvSpPr>
               <p:cNvPr id="26" name="TextBox 25">
@@ -14616,7 +14620,16 @@
                           </a:solidFill>
                           <a:latin typeface="Cambria Math" panose="02040503050406030204" pitchFamily="18" charset="0"/>
                         </a:rPr>
-                        <m:t>=0.75</m:t>
+                        <m:t>=0.7</m:t>
+                      </m:r>
+                      <m:r>
+                        <a:rPr lang="en-US" sz="2400" b="0" i="1" smtClean="0">
+                          <a:solidFill>
+                            <a:schemeClr val="bg1"/>
+                          </a:solidFill>
+                          <a:latin typeface="Cambria Math" panose="02040503050406030204" pitchFamily="18" charset="0"/>
+                        </a:rPr>
+                        <m:t>7</m:t>
                       </m:r>
                       <m:r>
                         <a:rPr lang="en-US" sz="2400" i="1">
@@ -14652,7 +14665,16 @@
                           </a:solidFill>
                           <a:latin typeface="Cambria Math" panose="02040503050406030204" pitchFamily="18" charset="0"/>
                         </a:rPr>
-                        <m:t>0.47×0.5</m:t>
+                        <m:t>0.</m:t>
+                      </m:r>
+                      <m:r>
+                        <a:rPr lang="en-US" sz="2400" b="0" i="1" smtClean="0">
+                          <a:solidFill>
+                            <a:schemeClr val="bg1"/>
+                          </a:solidFill>
+                          <a:latin typeface="Cambria Math" panose="02040503050406030204" pitchFamily="18" charset="0"/>
+                        </a:rPr>
+                        <m:t>46∗0.5</m:t>
                       </m:r>
                     </m:oMath>
                   </m:oMathPara>
@@ -14666,7 +14688,7 @@
             </p:txBody>
           </p:sp>
         </mc:Choice>
-        <mc:Fallback xmlns="">
+        <mc:Fallback>
           <p:sp>
             <p:nvSpPr>
               <p:cNvPr id="26" name="TextBox 25">
@@ -14711,8 +14733,8 @@
           </p:sp>
         </mc:Fallback>
       </mc:AlternateContent>
-      <mc:AlternateContent xmlns:mc="http://schemas.openxmlformats.org/markup-compatibility/2006" xmlns:a14="http://schemas.microsoft.com/office/drawing/2010/main">
-        <mc:Choice Requires="a14">
+      <mc:AlternateContent xmlns:mc="http://schemas.openxmlformats.org/markup-compatibility/2006">
+        <mc:Choice xmlns:a14="http://schemas.microsoft.com/office/drawing/2010/main" Requires="a14">
           <p:sp>
             <p:nvSpPr>
               <p:cNvPr id="3" name="TextBox 2">
@@ -14727,7 +14749,7 @@
             </p:nvSpPr>
             <p:spPr>
               <a:xfrm>
-                <a:off x="3461000" y="5438542"/>
+                <a:off x="3207220" y="5431758"/>
                 <a:ext cx="9084921" cy="461665"/>
               </a:xfrm>
               <a:prstGeom prst="rect">
@@ -14755,7 +14777,7 @@
                           </a:solidFill>
                           <a:latin typeface="Cambria Math" panose="02040503050406030204" pitchFamily="18" charset="0"/>
                         </a:rPr>
-                        <m:t>=0.05×0.5</m:t>
+                        <m:t>=0.025</m:t>
                       </m:r>
                     </m:oMath>
                   </m:oMathPara>
@@ -14769,7 +14791,7 @@
             </p:txBody>
           </p:sp>
         </mc:Choice>
-        <mc:Fallback xmlns="">
+        <mc:Fallback>
           <p:sp>
             <p:nvSpPr>
               <p:cNvPr id="3" name="TextBox 2">
@@ -14786,7 +14808,7 @@
             </p:nvSpPr>
             <p:spPr>
               <a:xfrm>
-                <a:off x="3461000" y="5438542"/>
+                <a:off x="3207220" y="5431758"/>
                 <a:ext cx="9084921" cy="461665"/>
               </a:xfrm>
               <a:prstGeom prst="rect">
@@ -14814,14 +14836,14 @@
           </p:sp>
         </mc:Fallback>
       </mc:AlternateContent>
-      <mc:AlternateContent xmlns:mc="http://schemas.openxmlformats.org/markup-compatibility/2006" xmlns:a14="http://schemas.microsoft.com/office/drawing/2010/main">
-        <mc:Choice Requires="a14">
+      <mc:AlternateContent xmlns:mc="http://schemas.openxmlformats.org/markup-compatibility/2006">
+        <mc:Choice xmlns:a14="http://schemas.microsoft.com/office/drawing/2010/main" Requires="a14">
           <p:sp>
             <p:nvSpPr>
-              <p:cNvPr id="29" name="TextBox 28">
+              <p:cNvPr id="4" name="TextBox 3">
                 <a:extLst>
                   <a:ext uri="{FF2B5EF4-FFF2-40B4-BE49-F238E27FC236}">
-                    <a16:creationId xmlns:a16="http://schemas.microsoft.com/office/drawing/2014/main" id="{90EF4E92-F41F-41D7-9297-EBA2ABB51507}"/>
+                    <a16:creationId xmlns:a16="http://schemas.microsoft.com/office/drawing/2014/main" id="{BD11BC47-2092-D325-F23C-B896053064E5}"/>
                   </a:ext>
                 </a:extLst>
               </p:cNvPr>
@@ -14830,8 +14852,8 @@
             </p:nvSpPr>
             <p:spPr>
               <a:xfrm>
-                <a:off x="4587683" y="5823730"/>
-                <a:ext cx="6265942" cy="461665"/>
+                <a:off x="2213219" y="6286705"/>
+                <a:ext cx="9084921" cy="461665"/>
               </a:xfrm>
               <a:prstGeom prst="rect">
                 <a:avLst/>
@@ -14839,7 +14861,7 @@
               <a:noFill/>
             </p:spPr>
             <p:txBody>
-              <a:bodyPr wrap="square">
+              <a:bodyPr wrap="square" rtlCol="0">
                 <a:spAutoFit/>
               </a:bodyPr>
               <a:lstStyle/>
@@ -14858,23 +14880,176 @@
                           </a:solidFill>
                           <a:latin typeface="Cambria Math" panose="02040503050406030204" pitchFamily="18" charset="0"/>
                         </a:rPr>
-                        <m:t>=0.025</m:t>
+                        <m:t>𝑃</m:t>
+                      </m:r>
+                      <m:d>
+                        <m:dPr>
+                          <m:ctrlPr>
+                            <a:rPr lang="en-US" sz="2400" b="0" i="1" smtClean="0">
+                              <a:solidFill>
+                                <a:schemeClr val="bg1"/>
+                              </a:solidFill>
+                              <a:latin typeface="Cambria Math" panose="02040503050406030204" pitchFamily="18" charset="0"/>
+                            </a:rPr>
+                          </m:ctrlPr>
+                        </m:dPr>
+                        <m:e>
+                          <m:r>
+                            <a:rPr lang="en-US" sz="2400" b="0" i="1" smtClean="0">
+                              <a:solidFill>
+                                <a:schemeClr val="bg1"/>
+                              </a:solidFill>
+                              <a:latin typeface="Cambria Math" panose="02040503050406030204" pitchFamily="18" charset="0"/>
+                            </a:rPr>
+                            <m:t>𝑂𝑡h𝑒𝑟</m:t>
+                          </m:r>
+                          <m:r>
+                            <a:rPr lang="en-US" sz="2400" b="0" i="1" smtClean="0">
+                              <a:solidFill>
+                                <a:schemeClr val="bg1"/>
+                              </a:solidFill>
+                              <a:latin typeface="Cambria Math" panose="02040503050406030204" pitchFamily="18" charset="0"/>
+                            </a:rPr>
+                            <m:t> </m:t>
+                          </m:r>
+                          <m:r>
+                            <a:rPr lang="en-US" sz="2400" b="0" i="1" smtClean="0">
+                              <a:solidFill>
+                                <a:schemeClr val="bg1"/>
+                              </a:solidFill>
+                              <a:latin typeface="Cambria Math" panose="02040503050406030204" pitchFamily="18" charset="0"/>
+                            </a:rPr>
+                            <m:t>𝑇𝑒𝑎𝑚</m:t>
+                          </m:r>
+                          <m:r>
+                            <a:rPr lang="en-US" sz="2400" b="0" i="1" smtClean="0">
+                              <a:solidFill>
+                                <a:schemeClr val="bg1"/>
+                              </a:solidFill>
+                              <a:latin typeface="Cambria Math" panose="02040503050406030204" pitchFamily="18" charset="0"/>
+                            </a:rPr>
+                            <m:t> </m:t>
+                          </m:r>
+                          <m:r>
+                            <a:rPr lang="en-US" sz="2400" b="0" i="1" smtClean="0">
+                              <a:solidFill>
+                                <a:schemeClr val="bg1"/>
+                              </a:solidFill>
+                              <a:latin typeface="Cambria Math" panose="02040503050406030204" pitchFamily="18" charset="0"/>
+                            </a:rPr>
+                            <m:t>𝑊𝑖𝑛𝑠</m:t>
+                          </m:r>
+                          <m:r>
+                            <a:rPr lang="en-US" sz="2400" b="0" i="1" smtClean="0">
+                              <a:solidFill>
+                                <a:schemeClr val="bg1"/>
+                              </a:solidFill>
+                              <a:latin typeface="Cambria Math" panose="02040503050406030204" pitchFamily="18" charset="0"/>
+                            </a:rPr>
+                            <m:t>|</m:t>
+                          </m:r>
+                          <m:r>
+                            <a:rPr lang="en-US" sz="2400" b="0" i="1" smtClean="0">
+                              <a:solidFill>
+                                <a:schemeClr val="bg1"/>
+                              </a:solidFill>
+                              <a:latin typeface="Cambria Math" panose="02040503050406030204" pitchFamily="18" charset="0"/>
+                            </a:rPr>
+                            <m:t>𝑌𝑜𝑢</m:t>
+                          </m:r>
+                          <m:r>
+                            <a:rPr lang="en-US" sz="2400" b="0" i="1" smtClean="0">
+                              <a:solidFill>
+                                <a:schemeClr val="bg1"/>
+                              </a:solidFill>
+                              <a:latin typeface="Cambria Math" panose="02040503050406030204" pitchFamily="18" charset="0"/>
+                            </a:rPr>
+                            <m:t> </m:t>
+                          </m:r>
+                          <m:r>
+                            <a:rPr lang="en-US" sz="2400" b="0" i="1" smtClean="0">
+                              <a:solidFill>
+                                <a:schemeClr val="bg1"/>
+                              </a:solidFill>
+                              <a:latin typeface="Cambria Math" panose="02040503050406030204" pitchFamily="18" charset="0"/>
+                            </a:rPr>
+                            <m:t>𝐹𝑜𝑢𝑙</m:t>
+                          </m:r>
+                        </m:e>
+                      </m:d>
+                      <m:r>
+                        <a:rPr lang="en-US" sz="2400" b="0" i="1" smtClean="0">
+                          <a:solidFill>
+                            <a:schemeClr val="bg1"/>
+                          </a:solidFill>
+                          <a:latin typeface="Cambria Math" panose="02040503050406030204" pitchFamily="18" charset="0"/>
+                        </a:rPr>
+                        <m:t>=0.7</m:t>
+                      </m:r>
+                      <m:r>
+                        <a:rPr lang="en-US" sz="2400" b="0" i="1" smtClean="0">
+                          <a:solidFill>
+                            <a:schemeClr val="bg1"/>
+                          </a:solidFill>
+                          <a:latin typeface="Cambria Math" panose="02040503050406030204" pitchFamily="18" charset="0"/>
+                        </a:rPr>
+                        <m:t>7</m:t>
+                      </m:r>
+                      <m:r>
+                        <a:rPr lang="en-US" sz="2400" i="1">
+                          <a:solidFill>
+                            <a:schemeClr val="bg1"/>
+                          </a:solidFill>
+                          <a:latin typeface="Cambria Math" panose="02040503050406030204" pitchFamily="18" charset="0"/>
+                        </a:rPr>
+                        <m:t>×</m:t>
+                      </m:r>
+                      <m:r>
+                        <a:rPr lang="en-US" sz="2400" b="0" i="1" smtClean="0">
+                          <a:solidFill>
+                            <a:schemeClr val="bg1"/>
+                          </a:solidFill>
+                          <a:latin typeface="Cambria Math" panose="02040503050406030204" pitchFamily="18" charset="0"/>
+                        </a:rPr>
+                        <m:t>0.14</m:t>
+                      </m:r>
+                      <m:r>
+                        <a:rPr lang="en-US" sz="2400" i="1">
+                          <a:solidFill>
+                            <a:schemeClr val="bg1"/>
+                          </a:solidFill>
+                          <a:latin typeface="Cambria Math" panose="02040503050406030204" pitchFamily="18" charset="0"/>
+                        </a:rPr>
+                        <m:t>×</m:t>
+                      </m:r>
+                      <m:r>
+                        <a:rPr lang="en-US" sz="2400" b="0" i="1" smtClean="0">
+                          <a:solidFill>
+                            <a:schemeClr val="bg1"/>
+                          </a:solidFill>
+                          <a:latin typeface="Cambria Math" panose="02040503050406030204" pitchFamily="18" charset="0"/>
+                        </a:rPr>
+                        <m:t>0.3=0.03</m:t>
                       </m:r>
                     </m:oMath>
                   </m:oMathPara>
                 </a14:m>
-                <a:endParaRPr lang="en-US" sz="2400" dirty="0"/>
+                <a:endParaRPr lang="en-US" sz="2400" b="0" dirty="0">
+                  <a:solidFill>
+                    <a:schemeClr val="bg1"/>
+                  </a:solidFill>
+                </a:endParaRPr>
               </a:p>
             </p:txBody>
           </p:sp>
         </mc:Choice>
-        <mc:Fallback xmlns="">
+        <mc:Fallback>
           <p:sp>
             <p:nvSpPr>
-              <p:cNvPr id="29" name="TextBox 28">
+              <p:cNvPr id="4" name="TextBox 3">
                 <a:extLst>
                   <a:ext uri="{FF2B5EF4-FFF2-40B4-BE49-F238E27FC236}">
-                    <a16:creationId xmlns:a16="http://schemas.microsoft.com/office/drawing/2014/main" id="{90EF4E92-F41F-41D7-9297-EBA2ABB51507}"/>
+                    <a16:creationId xmlns:a16="http://schemas.microsoft.com/office/drawing/2014/main" id="{BD11BC47-2092-D325-F23C-B896053064E5}"/>
                   </a:ext>
                 </a:extLst>
               </p:cNvPr>
@@ -14885,8 +15060,8 @@
             </p:nvSpPr>
             <p:spPr>
               <a:xfrm>
-                <a:off x="4587683" y="5823730"/>
-                <a:ext cx="6265942" cy="461665"/>
+                <a:off x="2213219" y="6286705"/>
+                <a:ext cx="9084921" cy="461665"/>
               </a:xfrm>
               <a:prstGeom prst="rect">
                 <a:avLst/>
@@ -14894,7 +15069,7 @@
               <a:blipFill>
                 <a:blip r:embed="rId9"/>
                 <a:stretch>
-                  <a:fillRect/>
+                  <a:fillRect b="-19737"/>
                 </a:stretch>
               </a:blipFill>
             </p:spPr>
